--- a/start_search_engines.pptx
+++ b/start_search_engines.pptx
@@ -5,7 +5,7 @@
     <p:sldMasterId id="2147483648" r:id="rId1"/>
   </p:sldMasterIdLst>
   <p:notesMasterIdLst>
-    <p:notesMasterId r:id="rId10"/>
+    <p:notesMasterId r:id="rId15"/>
   </p:notesMasterIdLst>
   <p:sldIdLst>
     <p:sldId id="256" r:id="rId2"/>
@@ -14,8 +14,13 @@
     <p:sldId id="259" r:id="rId5"/>
     <p:sldId id="261" r:id="rId6"/>
     <p:sldId id="264" r:id="rId7"/>
-    <p:sldId id="262" r:id="rId8"/>
-    <p:sldId id="263" r:id="rId9"/>
+    <p:sldId id="265" r:id="rId8"/>
+    <p:sldId id="266" r:id="rId9"/>
+    <p:sldId id="269" r:id="rId10"/>
+    <p:sldId id="270" r:id="rId11"/>
+    <p:sldId id="271" r:id="rId12"/>
+    <p:sldId id="262" r:id="rId13"/>
+    <p:sldId id="263" r:id="rId14"/>
   </p:sldIdLst>
   <p:sldSz cx="12192000" cy="6858000"/>
   <p:notesSz cx="6858000" cy="9144000"/>
@@ -114,6 +119,11 @@
       </a:defRPr>
     </a:lvl9pPr>
   </p:defaultTextStyle>
+  <p:extLst>
+    <p:ext uri="{EFAFB233-063F-42B5-8137-9DF3F51BA10A}">
+      <p15:sldGuideLst xmlns:p15="http://schemas.microsoft.com/office/powerpoint/2012/main"/>
+    </p:ext>
+  </p:extLst>
 </p:presentation>
 </file>
 
@@ -199,7 +209,7 @@
           <a:p>
             <a:fld id="{B616D742-B7F9-4B1D-BE27-DB2AB10F3CB6}" type="datetimeFigureOut">
               <a:rPr lang="en-US" smtClean="0"/>
-              <a:t>3/7/2015</a:t>
+              <a:t>3/8/2015</a:t>
             </a:fld>
             <a:endParaRPr lang="en-US"/>
           </a:p>
@@ -578,6 +588,258 @@
 </p:notes>
 </file>
 
+<file path=ppt/notesSlides/notesSlide10.xml><?xml version="1.0" encoding="utf-8"?>
+<p:notes xmlns:a="http://schemas.openxmlformats.org/drawingml/2006/main" xmlns:r="http://schemas.openxmlformats.org/officeDocument/2006/relationships" xmlns:p="http://schemas.openxmlformats.org/presentationml/2006/main">
+  <p:cSld>
+    <p:spTree>
+      <p:nvGrpSpPr>
+        <p:cNvPr id="1" name=""/>
+        <p:cNvGrpSpPr/>
+        <p:nvPr/>
+      </p:nvGrpSpPr>
+      <p:grpSpPr>
+        <a:xfrm>
+          <a:off x="0" y="0"/>
+          <a:ext cx="0" cy="0"/>
+          <a:chOff x="0" y="0"/>
+          <a:chExt cx="0" cy="0"/>
+        </a:xfrm>
+      </p:grpSpPr>
+      <p:sp>
+        <p:nvSpPr>
+          <p:cNvPr id="2" name="Slide Image Placeholder 1"/>
+          <p:cNvSpPr>
+            <a:spLocks noGrp="1" noRot="1" noChangeAspect="1"/>
+          </p:cNvSpPr>
+          <p:nvPr>
+            <p:ph type="sldImg"/>
+          </p:nvPr>
+        </p:nvSpPr>
+        <p:spPr/>
+      </p:sp>
+      <p:sp>
+        <p:nvSpPr>
+          <p:cNvPr id="3" name="Notes Placeholder 2"/>
+          <p:cNvSpPr>
+            <a:spLocks noGrp="1"/>
+          </p:cNvSpPr>
+          <p:nvPr>
+            <p:ph type="body" idx="1"/>
+          </p:nvPr>
+        </p:nvSpPr>
+        <p:spPr/>
+        <p:txBody>
+          <a:bodyPr/>
+          <a:lstStyle/>
+          <a:p>
+            <a:pPr marL="228600" indent="-228600">
+              <a:buAutoNum type="arabicPeriod"/>
+            </a:pPr>
+            <a:endParaRPr lang="en-US" baseline="0" dirty="0" smtClean="0"/>
+          </a:p>
+          <a:p>
+            <a:pPr marL="228600" indent="-228600">
+              <a:buAutoNum type="arabicPeriod"/>
+            </a:pPr>
+            <a:r>
+              <a:rPr lang="en-US" baseline="0" dirty="0" smtClean="0"/>
+              <a:t>Need to cite some sources I referenced in spots.  </a:t>
+            </a:r>
+          </a:p>
+          <a:p>
+            <a:pPr marL="228600" indent="-228600">
+              <a:buAutoNum type="arabicPeriod"/>
+            </a:pPr>
+            <a:r>
+              <a:rPr lang="en-US" baseline="0" dirty="0" err="1" smtClean="0"/>
+              <a:t>Lucene</a:t>
+            </a:r>
+            <a:r>
+              <a:rPr lang="en-US" baseline="0" dirty="0" smtClean="0"/>
+              <a:t> in Action is a good book,  might be targeted more </a:t>
+            </a:r>
+            <a:r>
+              <a:rPr lang="en-US" baseline="0" dirty="0" err="1" smtClean="0"/>
+              <a:t>lucene</a:t>
+            </a:r>
+            <a:r>
+              <a:rPr lang="en-US" baseline="0" dirty="0" smtClean="0"/>
+              <a:t> development,  so it would be redundant if you’re mostly going to use </a:t>
+            </a:r>
+            <a:r>
+              <a:rPr lang="en-US" baseline="0" dirty="0" err="1" smtClean="0"/>
+              <a:t>elasticsearch</a:t>
+            </a:r>
+            <a:r>
+              <a:rPr lang="en-US" baseline="0" dirty="0" smtClean="0"/>
+              <a:t>.  </a:t>
+            </a:r>
+          </a:p>
+          <a:p>
+            <a:pPr marL="228600" indent="-228600">
+              <a:buAutoNum type="arabicPeriod"/>
+            </a:pPr>
+            <a:r>
+              <a:rPr lang="en-US" baseline="0" dirty="0" err="1" smtClean="0"/>
+              <a:t>Elasticsearch</a:t>
+            </a:r>
+            <a:r>
+              <a:rPr lang="en-US" baseline="0" dirty="0" smtClean="0"/>
+              <a:t> the definitive guide is top notch and in-depth,  but good portion of the info is online.  </a:t>
+            </a:r>
+            <a:r>
+              <a:rPr lang="en-US" baseline="0" dirty="0" err="1" smtClean="0"/>
+              <a:t>Elasticsearch</a:t>
+            </a:r>
+            <a:r>
+              <a:rPr lang="en-US" baseline="0" dirty="0" smtClean="0"/>
+              <a:t> has a great guide,  so unless you’re really trying to ramp up your knowledge of the </a:t>
+            </a:r>
+            <a:r>
+              <a:rPr lang="en-US" baseline="0" dirty="0" err="1" smtClean="0"/>
+              <a:t>innerworkings</a:t>
+            </a:r>
+            <a:r>
+              <a:rPr lang="en-US" baseline="0" dirty="0" smtClean="0"/>
+              <a:t> of </a:t>
+            </a:r>
+            <a:r>
+              <a:rPr lang="en-US" baseline="0" dirty="0" err="1" smtClean="0"/>
+              <a:t>elasticsearch</a:t>
+            </a:r>
+            <a:r>
+              <a:rPr lang="en-US" baseline="0" dirty="0" smtClean="0"/>
+              <a:t> or tackling some significantly challenging search problems,  might be overkill as well.</a:t>
+            </a:r>
+          </a:p>
+        </p:txBody>
+      </p:sp>
+      <p:sp>
+        <p:nvSpPr>
+          <p:cNvPr id="4" name="Slide Number Placeholder 3"/>
+          <p:cNvSpPr>
+            <a:spLocks noGrp="1"/>
+          </p:cNvSpPr>
+          <p:nvPr>
+            <p:ph type="sldNum" sz="quarter" idx="10"/>
+          </p:nvPr>
+        </p:nvSpPr>
+        <p:spPr/>
+        <p:txBody>
+          <a:bodyPr/>
+          <a:lstStyle/>
+          <a:p>
+            <a:fld id="{851F7751-6008-428A-BB82-2C5C42614CF8}" type="slidenum">
+              <a:rPr lang="en-US" smtClean="0"/>
+              <a:t>12</a:t>
+            </a:fld>
+            <a:endParaRPr lang="en-US"/>
+          </a:p>
+        </p:txBody>
+      </p:sp>
+    </p:spTree>
+    <p:extLst>
+      <p:ext uri="{BB962C8B-B14F-4D97-AF65-F5344CB8AC3E}">
+        <p14:creationId xmlns:p14="http://schemas.microsoft.com/office/powerpoint/2010/main" val="3071175942"/>
+      </p:ext>
+    </p:extLst>
+  </p:cSld>
+  <p:clrMapOvr>
+    <a:masterClrMapping/>
+  </p:clrMapOvr>
+</p:notes>
+</file>
+
+<file path=ppt/notesSlides/notesSlide11.xml><?xml version="1.0" encoding="utf-8"?>
+<p:notes xmlns:a="http://schemas.openxmlformats.org/drawingml/2006/main" xmlns:r="http://schemas.openxmlformats.org/officeDocument/2006/relationships" xmlns:p="http://schemas.openxmlformats.org/presentationml/2006/main">
+  <p:cSld>
+    <p:spTree>
+      <p:nvGrpSpPr>
+        <p:cNvPr id="1" name=""/>
+        <p:cNvGrpSpPr/>
+        <p:nvPr/>
+      </p:nvGrpSpPr>
+      <p:grpSpPr>
+        <a:xfrm>
+          <a:off x="0" y="0"/>
+          <a:ext cx="0" cy="0"/>
+          <a:chOff x="0" y="0"/>
+          <a:chExt cx="0" cy="0"/>
+        </a:xfrm>
+      </p:grpSpPr>
+      <p:sp>
+        <p:nvSpPr>
+          <p:cNvPr id="2" name="Slide Image Placeholder 1"/>
+          <p:cNvSpPr>
+            <a:spLocks noGrp="1" noRot="1" noChangeAspect="1"/>
+          </p:cNvSpPr>
+          <p:nvPr>
+            <p:ph type="sldImg"/>
+          </p:nvPr>
+        </p:nvSpPr>
+        <p:spPr/>
+      </p:sp>
+      <p:sp>
+        <p:nvSpPr>
+          <p:cNvPr id="3" name="Notes Placeholder 2"/>
+          <p:cNvSpPr>
+            <a:spLocks noGrp="1"/>
+          </p:cNvSpPr>
+          <p:nvPr>
+            <p:ph type="body" idx="1"/>
+          </p:nvPr>
+        </p:nvSpPr>
+        <p:spPr/>
+        <p:txBody>
+          <a:bodyPr/>
+          <a:lstStyle/>
+          <a:p>
+            <a:pPr marL="228600" indent="-228600">
+              <a:buAutoNum type="arabicPeriod"/>
+            </a:pPr>
+            <a:r>
+              <a:rPr lang="en-US" baseline="0" dirty="0" smtClean="0"/>
+              <a:t>Thank you for attending.  Hope you enjoyed.  Any questions!</a:t>
+            </a:r>
+          </a:p>
+        </p:txBody>
+      </p:sp>
+      <p:sp>
+        <p:nvSpPr>
+          <p:cNvPr id="4" name="Slide Number Placeholder 3"/>
+          <p:cNvSpPr>
+            <a:spLocks noGrp="1"/>
+          </p:cNvSpPr>
+          <p:nvPr>
+            <p:ph type="sldNum" sz="quarter" idx="10"/>
+          </p:nvPr>
+        </p:nvSpPr>
+        <p:spPr/>
+        <p:txBody>
+          <a:bodyPr/>
+          <a:lstStyle/>
+          <a:p>
+            <a:fld id="{851F7751-6008-428A-BB82-2C5C42614CF8}" type="slidenum">
+              <a:rPr lang="en-US" smtClean="0"/>
+              <a:t>13</a:t>
+            </a:fld>
+            <a:endParaRPr lang="en-US"/>
+          </a:p>
+        </p:txBody>
+      </p:sp>
+    </p:spTree>
+    <p:extLst>
+      <p:ext uri="{BB962C8B-B14F-4D97-AF65-F5344CB8AC3E}">
+        <p14:creationId xmlns:p14="http://schemas.microsoft.com/office/powerpoint/2010/main" val="2038363421"/>
+      </p:ext>
+    </p:extLst>
+  </p:cSld>
+  <p:clrMapOvr>
+    <a:masterClrMapping/>
+  </p:clrMapOvr>
+</p:notes>
+</file>
+
 <file path=ppt/notesSlides/notesSlide2.xml><?xml version="1.0" encoding="utf-8"?>
 <p:notes xmlns:a="http://schemas.openxmlformats.org/drawingml/2006/main" xmlns:r="http://schemas.openxmlformats.org/officeDocument/2006/relationships" xmlns:p="http://schemas.openxmlformats.org/presentationml/2006/main">
   <p:cSld>
@@ -963,7 +1225,26 @@
             <a:pPr marL="228600" indent="-228600">
               <a:buAutoNum type="arabicPeriod"/>
             </a:pPr>
-            <a:endParaRPr lang="en-US" baseline="0" dirty="0" smtClean="0"/>
+            <a:r>
+              <a:rPr lang="en-US" baseline="0" dirty="0" smtClean="0"/>
+              <a:t>The white space </a:t>
+            </a:r>
+            <a:r>
+              <a:rPr lang="en-US" baseline="0" dirty="0" err="1" smtClean="0"/>
+              <a:t>tokenizer</a:t>
+            </a:r>
+            <a:r>
+              <a:rPr lang="en-US" baseline="0" dirty="0" smtClean="0"/>
+              <a:t> replaced with standard </a:t>
+            </a:r>
+            <a:r>
+              <a:rPr lang="en-US" baseline="0" dirty="0" err="1" smtClean="0"/>
+              <a:t>toekenizers</a:t>
+            </a:r>
+            <a:r>
+              <a:rPr lang="en-US" baseline="0" dirty="0" smtClean="0"/>
+              <a:t>.  </a:t>
+            </a:r>
           </a:p>
           <a:p>
             <a:pPr marL="228600" indent="-228600">
@@ -971,7 +1252,31 @@
             </a:pPr>
             <a:r>
               <a:rPr lang="en-US" baseline="0" dirty="0" smtClean="0"/>
-              <a:t>Need to cite some sources I referenced in spots.  </a:t>
+              <a:t>The standard analyzer uses “</a:t>
+            </a:r>
+            <a:r>
+              <a:rPr lang="en-US" sz="1200" b="0" i="0" kern="1200" dirty="0" smtClean="0">
+                <a:solidFill>
+                  <a:schemeClr val="tx1"/>
+                </a:solidFill>
+                <a:effectLst/>
+                <a:latin typeface="+mn-lt"/>
+                <a:ea typeface="+mn-ea"/>
+                <a:cs typeface="+mn-cs"/>
+              </a:rPr>
+              <a:t>Unicode Text Segmentation algorithm”,</a:t>
+            </a:r>
+            <a:r>
+              <a:rPr lang="en-US" sz="1200" b="0" i="0" kern="1200" baseline="0" dirty="0" smtClean="0">
+                <a:solidFill>
+                  <a:schemeClr val="tx1"/>
+                </a:solidFill>
+                <a:effectLst/>
+                <a:latin typeface="+mn-lt"/>
+                <a:ea typeface="+mn-ea"/>
+                <a:cs typeface="+mn-cs"/>
+              </a:rPr>
+              <a:t>  it’s very good for most “European languages.  </a:t>
             </a:r>
           </a:p>
           <a:p>
@@ -979,28 +1284,16 @@
               <a:buAutoNum type="arabicPeriod"/>
             </a:pPr>
             <a:r>
-              <a:rPr lang="en-US" baseline="0" dirty="0" err="1" smtClean="0"/>
-              <a:t>Lucene</a:t>
-            </a:r>
-            <a:r>
-              <a:rPr lang="en-US" baseline="0" dirty="0" smtClean="0"/>
-              <a:t> in Action is a good book,  might be targeted more </a:t>
-            </a:r>
-            <a:r>
-              <a:rPr lang="en-US" baseline="0" dirty="0" err="1" smtClean="0"/>
-              <a:t>lucene</a:t>
-            </a:r>
-            <a:r>
-              <a:rPr lang="en-US" baseline="0" dirty="0" smtClean="0"/>
-              <a:t> development,  so it would be redundant if you’re mostly going to use </a:t>
-            </a:r>
-            <a:r>
-              <a:rPr lang="en-US" baseline="0" dirty="0" err="1" smtClean="0"/>
-              <a:t>elasticsearch</a:t>
-            </a:r>
-            <a:r>
-              <a:rPr lang="en-US" baseline="0" dirty="0" smtClean="0"/>
-              <a:t>.  </a:t>
+              <a:rPr lang="en-US" sz="1200" b="0" i="0" kern="1200" baseline="0" dirty="0" smtClean="0">
+                <a:solidFill>
+                  <a:schemeClr val="tx1"/>
+                </a:solidFill>
+                <a:effectLst/>
+                <a:latin typeface="+mn-lt"/>
+                <a:ea typeface="+mn-ea"/>
+                <a:cs typeface="+mn-cs"/>
+              </a:rPr>
+              <a:t>Step back, consider how hard this can be for variations in data across languages and other contexts.  </a:t>
             </a:r>
           </a:p>
           <a:p>
@@ -1008,28 +1301,8 @@
               <a:buAutoNum type="arabicPeriod"/>
             </a:pPr>
             <a:r>
-              <a:rPr lang="en-US" baseline="0" dirty="0" err="1" smtClean="0"/>
-              <a:t>Elasticsearch</a:t>
-            </a:r>
-            <a:r>
               <a:rPr lang="en-US" baseline="0" dirty="0" smtClean="0"/>
-              <a:t> the definitive guide is top notch and in-depth,  but good portion of the info is online.  </a:t>
-            </a:r>
-            <a:r>
-              <a:rPr lang="en-US" baseline="0" dirty="0" err="1" smtClean="0"/>
-              <a:t>Elasticsearch</a:t>
-            </a:r>
-            <a:r>
-              <a:rPr lang="en-US" baseline="0" dirty="0" smtClean="0"/>
-              <a:t> has a great guide,  so unless you’re really trying to ramp up your knowledge of the </a:t>
-            </a:r>
-            <a:r>
-              <a:rPr lang="en-US" baseline="0" dirty="0" err="1" smtClean="0"/>
-              <a:t>innerworkings</a:t>
-            </a:r>
-            <a:r>
-              <a:rPr lang="en-US" baseline="0" dirty="0" smtClean="0"/>
-              <a:t> of </a:t>
+              <a:t>This is default </a:t>
             </a:r>
             <a:r>
               <a:rPr lang="en-US" baseline="0" dirty="0" err="1" smtClean="0"/>
@@ -1037,8 +1310,14 @@
             </a:r>
             <a:r>
               <a:rPr lang="en-US" baseline="0" dirty="0" smtClean="0"/>
-              <a:t> or tackling some significantly challenging search problems,  might be overkill as well.</a:t>
-            </a:r>
+              <a:t> analyzer,  very good for general use cases.</a:t>
+            </a:r>
+          </a:p>
+          <a:p>
+            <a:pPr marL="0" indent="0">
+              <a:buNone/>
+            </a:pPr>
+            <a:endParaRPr lang="en-US" baseline="0" dirty="0" smtClean="0"/>
           </a:p>
         </p:txBody>
       </p:sp>
@@ -1068,7 +1347,7 @@
     </p:spTree>
     <p:extLst>
       <p:ext uri="{BB962C8B-B14F-4D97-AF65-F5344CB8AC3E}">
-        <p14:creationId xmlns:p14="http://schemas.microsoft.com/office/powerpoint/2010/main" val="3071175942"/>
+        <p14:creationId xmlns:p14="http://schemas.microsoft.com/office/powerpoint/2010/main" val="1681113767"/>
       </p:ext>
     </p:extLst>
   </p:cSld>
@@ -1127,8 +1406,142 @@
             </a:pPr>
             <a:r>
               <a:rPr lang="en-US" baseline="0" dirty="0" smtClean="0"/>
-              <a:t>Thank you for attending.  Hope you enjoyed.  Any questions!</a:t>
-            </a:r>
+              <a:t>There is some serious pros and cons to stop words.  Sounds like a simple thing,  but some real things to consider.</a:t>
+            </a:r>
+          </a:p>
+          <a:p>
+            <a:pPr marL="0" indent="0">
+              <a:buNone/>
+            </a:pPr>
+            <a:endParaRPr lang="en-US" baseline="0" dirty="0" smtClean="0"/>
+          </a:p>
+          <a:p>
+            <a:pPr marL="0" indent="0">
+              <a:buNone/>
+            </a:pPr>
+            <a:r>
+              <a:rPr lang="en-US" baseline="0" dirty="0" smtClean="0"/>
+              <a:t>PRO  Performance and relevancy.  </a:t>
+            </a:r>
+          </a:p>
+          <a:p>
+            <a:pPr marL="228600" indent="-228600">
+              <a:buAutoNum type="arabicPeriod"/>
+            </a:pPr>
+            <a:r>
+              <a:rPr lang="en-US" baseline="0" dirty="0" smtClean="0"/>
+              <a:t>Reduces index bloat.</a:t>
+            </a:r>
+          </a:p>
+          <a:p>
+            <a:pPr marL="228600" indent="-228600">
+              <a:buAutoNum type="arabicPeriod"/>
+            </a:pPr>
+            <a:r>
+              <a:rPr lang="en-US" baseline="0" dirty="0" smtClean="0"/>
+              <a:t>High frequency terms,  offer little to relevancy are expensive to process.  Load all docs with that term.</a:t>
+            </a:r>
+          </a:p>
+          <a:p>
+            <a:pPr marL="228600" indent="-228600">
+              <a:buAutoNum type="arabicPeriod"/>
+            </a:pPr>
+            <a:endParaRPr lang="en-US" baseline="0" dirty="0" smtClean="0"/>
+          </a:p>
+          <a:p>
+            <a:pPr marL="0" indent="0">
+              <a:buNone/>
+            </a:pPr>
+            <a:r>
+              <a:rPr lang="en-US" baseline="0" dirty="0" smtClean="0"/>
+              <a:t>CONS  loss of context and meaning destruction</a:t>
+            </a:r>
+          </a:p>
+          <a:p>
+            <a:pPr marL="228600" indent="-228600">
+              <a:buAutoNum type="arabicPeriod"/>
+            </a:pPr>
+            <a:r>
+              <a:rPr lang="en-US" baseline="0" dirty="0" smtClean="0"/>
+              <a:t>You just strip out a ton of meaning,  Consider “to stop or not to stop”,  </a:t>
+            </a:r>
+            <a:r>
+              <a:rPr lang="en-US" baseline="0" dirty="0" err="1" smtClean="0"/>
+              <a:t>shakespear</a:t>
+            </a:r>
+            <a:r>
+              <a:rPr lang="en-US" baseline="0" dirty="0" smtClean="0"/>
+              <a:t> saying,  this one,  phrase searching.  </a:t>
+            </a:r>
+          </a:p>
+          <a:p>
+            <a:pPr marL="228600" indent="-228600">
+              <a:buAutoNum type="arabicPeriod"/>
+            </a:pPr>
+            <a:r>
+              <a:rPr lang="en-US" baseline="0" dirty="0" smtClean="0"/>
+              <a:t>Some pronouns are offer context,  awesome or not awesome.  </a:t>
+            </a:r>
+          </a:p>
+          <a:p>
+            <a:pPr marL="228600" indent="-228600">
+              <a:buAutoNum type="arabicPeriod"/>
+            </a:pPr>
+            <a:endParaRPr lang="en-US" baseline="0" dirty="0" smtClean="0"/>
+          </a:p>
+          <a:p>
+            <a:pPr marL="0" indent="0">
+              <a:buNone/>
+            </a:pPr>
+            <a:r>
+              <a:rPr lang="en-US" baseline="0" dirty="0" smtClean="0"/>
+              <a:t>Alternatives</a:t>
+            </a:r>
+          </a:p>
+          <a:p>
+            <a:pPr marL="0" indent="0">
+              <a:buNone/>
+            </a:pPr>
+            <a:r>
+              <a:rPr lang="en-US" baseline="0" dirty="0" smtClean="0"/>
+              <a:t>Custom stop words.    There is a default list.</a:t>
+            </a:r>
+          </a:p>
+          <a:p>
+            <a:pPr marL="0" indent="0">
+              <a:buNone/>
+            </a:pPr>
+            <a:endParaRPr lang="en-US" baseline="0" dirty="0" smtClean="0"/>
+          </a:p>
+          <a:p>
+            <a:pPr marL="0" indent="0">
+              <a:buNone/>
+            </a:pPr>
+            <a:r>
+              <a:rPr lang="en-US" baseline="0" dirty="0" smtClean="0"/>
+              <a:t>Ignoring high frequency terms at search time.   </a:t>
+            </a:r>
+          </a:p>
+          <a:p>
+            <a:pPr marL="0" indent="0">
+              <a:buNone/>
+            </a:pPr>
+            <a:endParaRPr lang="en-US" baseline="0" dirty="0" smtClean="0"/>
+          </a:p>
+          <a:p>
+            <a:pPr marL="0" indent="0">
+              <a:buNone/>
+            </a:pPr>
+            <a:r>
+              <a:rPr lang="en-US" baseline="0" dirty="0" smtClean="0"/>
+              <a:t>I’d suggest cutoff frequency,  I’ll have an example of that in a second.</a:t>
+            </a:r>
+          </a:p>
+          <a:p>
+            <a:pPr marL="228600" indent="-228600">
+              <a:buAutoNum type="arabicPeriod"/>
+            </a:pPr>
+            <a:endParaRPr lang="en-US" baseline="0" dirty="0" smtClean="0"/>
           </a:p>
         </p:txBody>
       </p:sp>
@@ -1158,7 +1571,358 @@
     </p:spTree>
     <p:extLst>
       <p:ext uri="{BB962C8B-B14F-4D97-AF65-F5344CB8AC3E}">
-        <p14:creationId xmlns:p14="http://schemas.microsoft.com/office/powerpoint/2010/main" val="2038363421"/>
+        <p14:creationId xmlns:p14="http://schemas.microsoft.com/office/powerpoint/2010/main" val="765768640"/>
+      </p:ext>
+    </p:extLst>
+  </p:cSld>
+  <p:clrMapOvr>
+    <a:masterClrMapping/>
+  </p:clrMapOvr>
+</p:notes>
+</file>
+
+<file path=ppt/notesSlides/notesSlide7.xml><?xml version="1.0" encoding="utf-8"?>
+<p:notes xmlns:a="http://schemas.openxmlformats.org/drawingml/2006/main" xmlns:r="http://schemas.openxmlformats.org/officeDocument/2006/relationships" xmlns:p="http://schemas.openxmlformats.org/presentationml/2006/main">
+  <p:cSld>
+    <p:spTree>
+      <p:nvGrpSpPr>
+        <p:cNvPr id="1" name=""/>
+        <p:cNvGrpSpPr/>
+        <p:nvPr/>
+      </p:nvGrpSpPr>
+      <p:grpSpPr>
+        <a:xfrm>
+          <a:off x="0" y="0"/>
+          <a:ext cx="0" cy="0"/>
+          <a:chOff x="0" y="0"/>
+          <a:chExt cx="0" cy="0"/>
+        </a:xfrm>
+      </p:grpSpPr>
+      <p:sp>
+        <p:nvSpPr>
+          <p:cNvPr id="2" name="Slide Image Placeholder 1"/>
+          <p:cNvSpPr>
+            <a:spLocks noGrp="1" noRot="1" noChangeAspect="1"/>
+          </p:cNvSpPr>
+          <p:nvPr>
+            <p:ph type="sldImg"/>
+          </p:nvPr>
+        </p:nvSpPr>
+        <p:spPr/>
+      </p:sp>
+      <p:sp>
+        <p:nvSpPr>
+          <p:cNvPr id="3" name="Notes Placeholder 2"/>
+          <p:cNvSpPr>
+            <a:spLocks noGrp="1"/>
+          </p:cNvSpPr>
+          <p:nvPr>
+            <p:ph type="body" idx="1"/>
+          </p:nvPr>
+        </p:nvSpPr>
+        <p:spPr/>
+        <p:txBody>
+          <a:bodyPr/>
+          <a:lstStyle/>
+          <a:p>
+            <a:pPr marL="0" indent="0">
+              <a:buNone/>
+            </a:pPr>
+            <a:r>
+              <a:rPr lang="en-US" baseline="0" dirty="0" smtClean="0"/>
+              <a:t>Sometimes you might want to search for only part of a token,  in that case,  you need to index part of the token,  one way to do is with n-grams.</a:t>
+            </a:r>
+          </a:p>
+          <a:p>
+            <a:pPr marL="0" indent="0">
+              <a:buNone/>
+            </a:pPr>
+            <a:endParaRPr lang="en-US" baseline="0" dirty="0" smtClean="0"/>
+          </a:p>
+          <a:p>
+            <a:pPr marL="0" indent="0">
+              <a:buNone/>
+            </a:pPr>
+            <a:r>
+              <a:rPr lang="en-US" baseline="0" dirty="0" smtClean="0"/>
+              <a:t>“contiguous sequence of items from a sequence”.</a:t>
+            </a:r>
+          </a:p>
+          <a:p>
+            <a:pPr marL="0" indent="0">
+              <a:buNone/>
+            </a:pPr>
+            <a:endParaRPr lang="en-US" baseline="0" dirty="0" smtClean="0"/>
+          </a:p>
+          <a:p>
+            <a:pPr marL="0" indent="0">
+              <a:buNone/>
+            </a:pPr>
+            <a:r>
+              <a:rPr lang="en-US" baseline="0" dirty="0" smtClean="0"/>
+              <a:t>Variations,  left n-gram,  right n-gram.  Min-gram,  max-gram.  </a:t>
+            </a:r>
+          </a:p>
+          <a:p>
+            <a:pPr marL="0" indent="0">
+              <a:buNone/>
+            </a:pPr>
+            <a:endParaRPr lang="en-US" baseline="0" dirty="0" smtClean="0"/>
+          </a:p>
+          <a:p>
+            <a:pPr marL="0" indent="0">
+              <a:buNone/>
+            </a:pPr>
+            <a:r>
+              <a:rPr lang="en-US" baseline="0" dirty="0" smtClean="0"/>
+              <a:t>Obviously the risk here is term bloat,  index size,  the advantage is searching for incomplete tokens,  think, search as you type kind of performance.  </a:t>
+            </a:r>
+          </a:p>
+          <a:p>
+            <a:pPr marL="0" indent="0">
+              <a:buNone/>
+            </a:pPr>
+            <a:endParaRPr lang="en-US" baseline="0" dirty="0" smtClean="0"/>
+          </a:p>
+        </p:txBody>
+      </p:sp>
+      <p:sp>
+        <p:nvSpPr>
+          <p:cNvPr id="4" name="Slide Number Placeholder 3"/>
+          <p:cNvSpPr>
+            <a:spLocks noGrp="1"/>
+          </p:cNvSpPr>
+          <p:nvPr>
+            <p:ph type="sldNum" sz="quarter" idx="10"/>
+          </p:nvPr>
+        </p:nvSpPr>
+        <p:spPr/>
+        <p:txBody>
+          <a:bodyPr/>
+          <a:lstStyle/>
+          <a:p>
+            <a:fld id="{851F7751-6008-428A-BB82-2C5C42614CF8}" type="slidenum">
+              <a:rPr lang="en-US" smtClean="0"/>
+              <a:t>9</a:t>
+            </a:fld>
+            <a:endParaRPr lang="en-US"/>
+          </a:p>
+        </p:txBody>
+      </p:sp>
+    </p:spTree>
+    <p:extLst>
+      <p:ext uri="{BB962C8B-B14F-4D97-AF65-F5344CB8AC3E}">
+        <p14:creationId xmlns:p14="http://schemas.microsoft.com/office/powerpoint/2010/main" val="2768999298"/>
+      </p:ext>
+    </p:extLst>
+  </p:cSld>
+  <p:clrMapOvr>
+    <a:masterClrMapping/>
+  </p:clrMapOvr>
+</p:notes>
+</file>
+
+<file path=ppt/notesSlides/notesSlide8.xml><?xml version="1.0" encoding="utf-8"?>
+<p:notes xmlns:a="http://schemas.openxmlformats.org/drawingml/2006/main" xmlns:r="http://schemas.openxmlformats.org/officeDocument/2006/relationships" xmlns:p="http://schemas.openxmlformats.org/presentationml/2006/main">
+  <p:cSld>
+    <p:spTree>
+      <p:nvGrpSpPr>
+        <p:cNvPr id="1" name=""/>
+        <p:cNvGrpSpPr/>
+        <p:nvPr/>
+      </p:nvGrpSpPr>
+      <p:grpSpPr>
+        <a:xfrm>
+          <a:off x="0" y="0"/>
+          <a:ext cx="0" cy="0"/>
+          <a:chOff x="0" y="0"/>
+          <a:chExt cx="0" cy="0"/>
+        </a:xfrm>
+      </p:grpSpPr>
+      <p:sp>
+        <p:nvSpPr>
+          <p:cNvPr id="2" name="Slide Image Placeholder 1"/>
+          <p:cNvSpPr>
+            <a:spLocks noGrp="1" noRot="1" noChangeAspect="1"/>
+          </p:cNvSpPr>
+          <p:nvPr>
+            <p:ph type="sldImg"/>
+          </p:nvPr>
+        </p:nvSpPr>
+        <p:spPr/>
+      </p:sp>
+      <p:sp>
+        <p:nvSpPr>
+          <p:cNvPr id="3" name="Notes Placeholder 2"/>
+          <p:cNvSpPr>
+            <a:spLocks noGrp="1"/>
+          </p:cNvSpPr>
+          <p:nvPr>
+            <p:ph type="body" idx="1"/>
+          </p:nvPr>
+        </p:nvSpPr>
+        <p:spPr/>
+        <p:txBody>
+          <a:bodyPr/>
+          <a:lstStyle/>
+          <a:p>
+            <a:pPr marL="0" indent="0">
+              <a:buNone/>
+            </a:pPr>
+            <a:r>
+              <a:rPr lang="en-US" baseline="0" dirty="0" smtClean="0"/>
+              <a:t>Shingles are like word grams.  Can be good for phrase searching.  Exact match queries.  </a:t>
+            </a:r>
+          </a:p>
+          <a:p>
+            <a:pPr marL="0" indent="0">
+              <a:buNone/>
+            </a:pPr>
+            <a:endParaRPr lang="en-US" baseline="0" dirty="0" smtClean="0"/>
+          </a:p>
+          <a:p>
+            <a:pPr marL="0" indent="0">
+              <a:buNone/>
+            </a:pPr>
+            <a:r>
+              <a:rPr lang="en-US" baseline="0" dirty="0" smtClean="0"/>
+              <a:t>Also can good to boost relevancy,  which we can dive in a bit. </a:t>
+            </a:r>
+          </a:p>
+        </p:txBody>
+      </p:sp>
+      <p:sp>
+        <p:nvSpPr>
+          <p:cNvPr id="4" name="Slide Number Placeholder 3"/>
+          <p:cNvSpPr>
+            <a:spLocks noGrp="1"/>
+          </p:cNvSpPr>
+          <p:nvPr>
+            <p:ph type="sldNum" sz="quarter" idx="10"/>
+          </p:nvPr>
+        </p:nvSpPr>
+        <p:spPr/>
+        <p:txBody>
+          <a:bodyPr/>
+          <a:lstStyle/>
+          <a:p>
+            <a:fld id="{851F7751-6008-428A-BB82-2C5C42614CF8}" type="slidenum">
+              <a:rPr lang="en-US" smtClean="0"/>
+              <a:t>10</a:t>
+            </a:fld>
+            <a:endParaRPr lang="en-US"/>
+          </a:p>
+        </p:txBody>
+      </p:sp>
+    </p:spTree>
+    <p:extLst>
+      <p:ext uri="{BB962C8B-B14F-4D97-AF65-F5344CB8AC3E}">
+        <p14:creationId xmlns:p14="http://schemas.microsoft.com/office/powerpoint/2010/main" val="816045553"/>
+      </p:ext>
+    </p:extLst>
+  </p:cSld>
+  <p:clrMapOvr>
+    <a:masterClrMapping/>
+  </p:clrMapOvr>
+</p:notes>
+</file>
+
+<file path=ppt/notesSlides/notesSlide9.xml><?xml version="1.0" encoding="utf-8"?>
+<p:notes xmlns:a="http://schemas.openxmlformats.org/drawingml/2006/main" xmlns:r="http://schemas.openxmlformats.org/officeDocument/2006/relationships" xmlns:p="http://schemas.openxmlformats.org/presentationml/2006/main">
+  <p:cSld>
+    <p:spTree>
+      <p:nvGrpSpPr>
+        <p:cNvPr id="1" name=""/>
+        <p:cNvGrpSpPr/>
+        <p:nvPr/>
+      </p:nvGrpSpPr>
+      <p:grpSpPr>
+        <a:xfrm>
+          <a:off x="0" y="0"/>
+          <a:ext cx="0" cy="0"/>
+          <a:chOff x="0" y="0"/>
+          <a:chExt cx="0" cy="0"/>
+        </a:xfrm>
+      </p:grpSpPr>
+      <p:sp>
+        <p:nvSpPr>
+          <p:cNvPr id="2" name="Slide Image Placeholder 1"/>
+          <p:cNvSpPr>
+            <a:spLocks noGrp="1" noRot="1" noChangeAspect="1"/>
+          </p:cNvSpPr>
+          <p:nvPr>
+            <p:ph type="sldImg"/>
+          </p:nvPr>
+        </p:nvSpPr>
+        <p:spPr/>
+      </p:sp>
+      <p:sp>
+        <p:nvSpPr>
+          <p:cNvPr id="3" name="Notes Placeholder 2"/>
+          <p:cNvSpPr>
+            <a:spLocks noGrp="1"/>
+          </p:cNvSpPr>
+          <p:nvPr>
+            <p:ph type="body" idx="1"/>
+          </p:nvPr>
+        </p:nvSpPr>
+        <p:spPr/>
+        <p:txBody>
+          <a:bodyPr/>
+          <a:lstStyle/>
+          <a:p>
+            <a:pPr marL="0" indent="0">
+              <a:buNone/>
+            </a:pPr>
+            <a:r>
+              <a:rPr lang="en-US" baseline="0" dirty="0" smtClean="0"/>
+              <a:t>Shingles are like word grams.  Can be good for phrase searching.  Exact match queries.  </a:t>
+            </a:r>
+          </a:p>
+          <a:p>
+            <a:pPr marL="0" indent="0">
+              <a:buNone/>
+            </a:pPr>
+            <a:endParaRPr lang="en-US" baseline="0" dirty="0" smtClean="0"/>
+          </a:p>
+          <a:p>
+            <a:pPr marL="0" indent="0">
+              <a:buNone/>
+            </a:pPr>
+            <a:r>
+              <a:rPr lang="en-US" baseline="0" dirty="0" smtClean="0"/>
+              <a:t>Also can good to boost relevancy,  which we can dive in a bit. </a:t>
+            </a:r>
+          </a:p>
+        </p:txBody>
+      </p:sp>
+      <p:sp>
+        <p:nvSpPr>
+          <p:cNvPr id="4" name="Slide Number Placeholder 3"/>
+          <p:cNvSpPr>
+            <a:spLocks noGrp="1"/>
+          </p:cNvSpPr>
+          <p:nvPr>
+            <p:ph type="sldNum" sz="quarter" idx="10"/>
+          </p:nvPr>
+        </p:nvSpPr>
+        <p:spPr/>
+        <p:txBody>
+          <a:bodyPr/>
+          <a:lstStyle/>
+          <a:p>
+            <a:fld id="{851F7751-6008-428A-BB82-2C5C42614CF8}" type="slidenum">
+              <a:rPr lang="en-US" smtClean="0"/>
+              <a:t>11</a:t>
+            </a:fld>
+            <a:endParaRPr lang="en-US"/>
+          </a:p>
+        </p:txBody>
+      </p:sp>
+    </p:spTree>
+    <p:extLst>
+      <p:ext uri="{BB962C8B-B14F-4D97-AF65-F5344CB8AC3E}">
+        <p14:creationId xmlns:p14="http://schemas.microsoft.com/office/powerpoint/2010/main" val="2881010497"/>
       </p:ext>
     </p:extLst>
   </p:cSld>
@@ -1299,7 +2063,7 @@
           <a:p>
             <a:fld id="{20B5CC34-3F5B-439F-8BE4-E5ED35F85001}" type="datetimeFigureOut">
               <a:rPr lang="en-US" smtClean="0"/>
-              <a:t>3/7/2015</a:t>
+              <a:t>3/8/2015</a:t>
             </a:fld>
             <a:endParaRPr lang="en-US"/>
           </a:p>
@@ -1469,7 +2233,7 @@
           <a:p>
             <a:fld id="{20B5CC34-3F5B-439F-8BE4-E5ED35F85001}" type="datetimeFigureOut">
               <a:rPr lang="en-US" smtClean="0"/>
-              <a:t>3/7/2015</a:t>
+              <a:t>3/8/2015</a:t>
             </a:fld>
             <a:endParaRPr lang="en-US"/>
           </a:p>
@@ -1649,7 +2413,7 @@
           <a:p>
             <a:fld id="{20B5CC34-3F5B-439F-8BE4-E5ED35F85001}" type="datetimeFigureOut">
               <a:rPr lang="en-US" smtClean="0"/>
-              <a:t>3/7/2015</a:t>
+              <a:t>3/8/2015</a:t>
             </a:fld>
             <a:endParaRPr lang="en-US"/>
           </a:p>
@@ -1819,7 +2583,7 @@
           <a:p>
             <a:fld id="{20B5CC34-3F5B-439F-8BE4-E5ED35F85001}" type="datetimeFigureOut">
               <a:rPr lang="en-US" smtClean="0"/>
-              <a:t>3/7/2015</a:t>
+              <a:t>3/8/2015</a:t>
             </a:fld>
             <a:endParaRPr lang="en-US"/>
           </a:p>
@@ -2065,7 +2829,7 @@
           <a:p>
             <a:fld id="{20B5CC34-3F5B-439F-8BE4-E5ED35F85001}" type="datetimeFigureOut">
               <a:rPr lang="en-US" smtClean="0"/>
-              <a:t>3/7/2015</a:t>
+              <a:t>3/8/2015</a:t>
             </a:fld>
             <a:endParaRPr lang="en-US"/>
           </a:p>
@@ -2297,7 +3061,7 @@
           <a:p>
             <a:fld id="{20B5CC34-3F5B-439F-8BE4-E5ED35F85001}" type="datetimeFigureOut">
               <a:rPr lang="en-US" smtClean="0"/>
-              <a:t>3/7/2015</a:t>
+              <a:t>3/8/2015</a:t>
             </a:fld>
             <a:endParaRPr lang="en-US"/>
           </a:p>
@@ -2664,7 +3428,7 @@
           <a:p>
             <a:fld id="{20B5CC34-3F5B-439F-8BE4-E5ED35F85001}" type="datetimeFigureOut">
               <a:rPr lang="en-US" smtClean="0"/>
-              <a:t>3/7/2015</a:t>
+              <a:t>3/8/2015</a:t>
             </a:fld>
             <a:endParaRPr lang="en-US"/>
           </a:p>
@@ -2782,7 +3546,7 @@
           <a:p>
             <a:fld id="{20B5CC34-3F5B-439F-8BE4-E5ED35F85001}" type="datetimeFigureOut">
               <a:rPr lang="en-US" smtClean="0"/>
-              <a:t>3/7/2015</a:t>
+              <a:t>3/8/2015</a:t>
             </a:fld>
             <a:endParaRPr lang="en-US"/>
           </a:p>
@@ -2877,7 +3641,7 @@
           <a:p>
             <a:fld id="{20B5CC34-3F5B-439F-8BE4-E5ED35F85001}" type="datetimeFigureOut">
               <a:rPr lang="en-US" smtClean="0"/>
-              <a:t>3/7/2015</a:t>
+              <a:t>3/8/2015</a:t>
             </a:fld>
             <a:endParaRPr lang="en-US"/>
           </a:p>
@@ -3154,7 +3918,7 @@
           <a:p>
             <a:fld id="{20B5CC34-3F5B-439F-8BE4-E5ED35F85001}" type="datetimeFigureOut">
               <a:rPr lang="en-US" smtClean="0"/>
-              <a:t>3/7/2015</a:t>
+              <a:t>3/8/2015</a:t>
             </a:fld>
             <a:endParaRPr lang="en-US"/>
           </a:p>
@@ -3407,7 +4171,7 @@
           <a:p>
             <a:fld id="{20B5CC34-3F5B-439F-8BE4-E5ED35F85001}" type="datetimeFigureOut">
               <a:rPr lang="en-US" smtClean="0"/>
-              <a:t>3/7/2015</a:t>
+              <a:t>3/8/2015</a:t>
             </a:fld>
             <a:endParaRPr lang="en-US"/>
           </a:p>
@@ -3620,7 +4384,7 @@
           <a:p>
             <a:fld id="{20B5CC34-3F5B-439F-8BE4-E5ED35F85001}" type="datetimeFigureOut">
               <a:rPr lang="en-US" smtClean="0"/>
-              <a:t>3/7/2015</a:t>
+              <a:t>3/8/2015</a:t>
             </a:fld>
             <a:endParaRPr lang="en-US"/>
           </a:p>
@@ -4070,6 +4834,777 @@
     <p:extLst>
       <p:ext uri="{BB962C8B-B14F-4D97-AF65-F5344CB8AC3E}">
         <p14:creationId xmlns:p14="http://schemas.microsoft.com/office/powerpoint/2010/main" val="1372646987"/>
+      </p:ext>
+    </p:extLst>
+  </p:cSld>
+  <p:clrMapOvr>
+    <a:masterClrMapping/>
+  </p:clrMapOvr>
+  <p:timing>
+    <p:tnLst>
+      <p:par>
+        <p:cTn id="1" dur="indefinite" restart="never" nodeType="tmRoot"/>
+      </p:par>
+    </p:tnLst>
+  </p:timing>
+</p:sld>
+</file>
+
+<file path=ppt/slides/slide10.xml><?xml version="1.0" encoding="utf-8"?>
+<p:sld xmlns:a="http://schemas.openxmlformats.org/drawingml/2006/main" xmlns:r="http://schemas.openxmlformats.org/officeDocument/2006/relationships" xmlns:p="http://schemas.openxmlformats.org/presentationml/2006/main">
+  <p:cSld>
+    <p:spTree>
+      <p:nvGrpSpPr>
+        <p:cNvPr id="1" name=""/>
+        <p:cNvGrpSpPr/>
+        <p:nvPr/>
+      </p:nvGrpSpPr>
+      <p:grpSpPr>
+        <a:xfrm>
+          <a:off x="0" y="0"/>
+          <a:ext cx="0" cy="0"/>
+          <a:chOff x="0" y="0"/>
+          <a:chExt cx="0" cy="0"/>
+        </a:xfrm>
+      </p:grpSpPr>
+      <p:graphicFrame>
+        <p:nvGraphicFramePr>
+          <p:cNvPr id="7" name="Table 6"/>
+          <p:cNvGraphicFramePr>
+            <a:graphicFrameLocks noGrp="1"/>
+          </p:cNvGraphicFramePr>
+          <p:nvPr/>
+        </p:nvGraphicFramePr>
+        <p:xfrm>
+          <a:off x="1082040" y="731520"/>
+          <a:ext cx="1097280" cy="365760"/>
+        </p:xfrm>
+        <a:graphic>
+          <a:graphicData uri="http://schemas.openxmlformats.org/drawingml/2006/table">
+            <a:tbl>
+              <a:tblPr/>
+              <a:tblGrid>
+                <a:gridCol w="1097280"/>
+              </a:tblGrid>
+              <a:tr h="320040">
+                <a:tc>
+                  <a:txBody>
+                    <a:bodyPr/>
+                    <a:lstStyle/>
+                    <a:p>
+                      <a:endParaRPr lang="en-US" dirty="0"/>
+                    </a:p>
+                  </a:txBody>
+                  <a:tcPr>
+                    <a:lnL>
+                      <a:noFill/>
+                    </a:lnL>
+                    <a:lnR>
+                      <a:noFill/>
+                    </a:lnR>
+                    <a:lnT>
+                      <a:noFill/>
+                    </a:lnT>
+                    <a:lnB>
+                      <a:noFill/>
+                    </a:lnB>
+                  </a:tcPr>
+                </a:tc>
+              </a:tr>
+            </a:tbl>
+          </a:graphicData>
+        </a:graphic>
+      </p:graphicFrame>
+      <p:sp>
+        <p:nvSpPr>
+          <p:cNvPr id="36" name="TextBox 35"/>
+          <p:cNvSpPr txBox="1"/>
+          <p:nvPr/>
+        </p:nvSpPr>
+        <p:spPr>
+          <a:xfrm>
+            <a:off x="0" y="0"/>
+            <a:ext cx="3262432" cy="1015663"/>
+          </a:xfrm>
+          <a:prstGeom prst="rect">
+            <a:avLst/>
+          </a:prstGeom>
+          <a:noFill/>
+        </p:spPr>
+        <p:txBody>
+          <a:bodyPr wrap="none" rtlCol="0">
+            <a:spAutoFit/>
+          </a:bodyPr>
+          <a:lstStyle/>
+          <a:p>
+            <a:r>
+              <a:rPr lang="en-US" sz="6000" dirty="0" smtClean="0">
+                <a:latin typeface="SimHei" panose="02010609060101010101" pitchFamily="49" charset="-122"/>
+                <a:ea typeface="SimHei" panose="02010609060101010101" pitchFamily="49" charset="-122"/>
+              </a:rPr>
+              <a:t>shingles</a:t>
+            </a:r>
+            <a:endParaRPr lang="en-US" sz="6000" dirty="0">
+              <a:latin typeface="SimHei" panose="02010609060101010101" pitchFamily="49" charset="-122"/>
+              <a:ea typeface="SimHei" panose="02010609060101010101" pitchFamily="49" charset="-122"/>
+            </a:endParaRPr>
+          </a:p>
+        </p:txBody>
+      </p:sp>
+      <p:sp>
+        <p:nvSpPr>
+          <p:cNvPr id="2" name="Rectangle 1"/>
+          <p:cNvSpPr/>
+          <p:nvPr/>
+        </p:nvSpPr>
+        <p:spPr>
+          <a:xfrm>
+            <a:off x="89452" y="1197619"/>
+            <a:ext cx="12102548" cy="5509200"/>
+          </a:xfrm>
+          <a:prstGeom prst="rect">
+            <a:avLst/>
+          </a:prstGeom>
+        </p:spPr>
+        <p:txBody>
+          <a:bodyPr wrap="square">
+            <a:spAutoFit/>
+          </a:bodyPr>
+          <a:lstStyle/>
+          <a:p>
+            <a:pPr algn="ctr"/>
+            <a:r>
+              <a:rPr lang="en-US" sz="2400" dirty="0">
+                <a:latin typeface="SimHei" panose="02010609060101010101" pitchFamily="49" charset="-122"/>
+                <a:ea typeface="SimHei" panose="02010609060101010101" pitchFamily="49" charset="-122"/>
+              </a:rPr>
+              <a:t>“The quick brown </a:t>
+            </a:r>
+            <a:r>
+              <a:rPr lang="en-US" sz="2400" dirty="0" smtClean="0">
+                <a:latin typeface="SimHei" panose="02010609060101010101" pitchFamily="49" charset="-122"/>
+                <a:ea typeface="SimHei" panose="02010609060101010101" pitchFamily="49" charset="-122"/>
+              </a:rPr>
+              <a:t>fox.”</a:t>
+            </a:r>
+            <a:endParaRPr lang="en-US" sz="2400" dirty="0">
+              <a:latin typeface="SimHei" panose="02010609060101010101" pitchFamily="49" charset="-122"/>
+              <a:ea typeface="SimHei" panose="02010609060101010101" pitchFamily="49" charset="-122"/>
+            </a:endParaRPr>
+          </a:p>
+          <a:p>
+            <a:pPr algn="ctr"/>
+            <a:endParaRPr lang="en-US" sz="2400" dirty="0">
+              <a:latin typeface="SimHei" panose="02010609060101010101" pitchFamily="49" charset="-122"/>
+              <a:ea typeface="SimHei" panose="02010609060101010101" pitchFamily="49" charset="-122"/>
+            </a:endParaRPr>
+          </a:p>
+          <a:p>
+            <a:pPr algn="ctr"/>
+            <a:endParaRPr lang="en-US" sz="2400" dirty="0">
+              <a:latin typeface="SimHei" panose="02010609060101010101" pitchFamily="49" charset="-122"/>
+              <a:ea typeface="SimHei" panose="02010609060101010101" pitchFamily="49" charset="-122"/>
+            </a:endParaRPr>
+          </a:p>
+          <a:p>
+            <a:pPr algn="ctr"/>
+            <a:endParaRPr lang="en-US" sz="2400" dirty="0">
+              <a:latin typeface="SimHei" panose="02010609060101010101" pitchFamily="49" charset="-122"/>
+              <a:ea typeface="SimHei" panose="02010609060101010101" pitchFamily="49" charset="-122"/>
+            </a:endParaRPr>
+          </a:p>
+          <a:p>
+            <a:pPr algn="ctr"/>
+            <a:r>
+              <a:rPr lang="en-US" sz="2400" dirty="0">
+                <a:latin typeface="SimHei" panose="02010609060101010101" pitchFamily="49" charset="-122"/>
+                <a:ea typeface="SimHei" panose="02010609060101010101" pitchFamily="49" charset="-122"/>
+              </a:rPr>
+              <a:t>“</a:t>
+            </a:r>
+            <a:r>
+              <a:rPr lang="en-US" sz="2400" dirty="0" err="1">
+                <a:latin typeface="SimHei" panose="02010609060101010101" pitchFamily="49" charset="-122"/>
+                <a:ea typeface="SimHei" panose="02010609060101010101" pitchFamily="49" charset="-122"/>
+              </a:rPr>
+              <a:t>The”,“quick”,“brown”,“fox</a:t>
+            </a:r>
+            <a:r>
+              <a:rPr lang="en-US" sz="2400" dirty="0">
+                <a:latin typeface="SimHei" panose="02010609060101010101" pitchFamily="49" charset="-122"/>
+                <a:ea typeface="SimHei" panose="02010609060101010101" pitchFamily="49" charset="-122"/>
+              </a:rPr>
+              <a:t>”</a:t>
+            </a:r>
+          </a:p>
+          <a:p>
+            <a:pPr algn="ctr"/>
+            <a:r>
+              <a:rPr lang="en-US" sz="2400" dirty="0" smtClean="0">
+                <a:latin typeface="SimHei" panose="02010609060101010101" pitchFamily="49" charset="-122"/>
+                <a:ea typeface="SimHei" panose="02010609060101010101" pitchFamily="49" charset="-122"/>
+              </a:rPr>
+              <a:t>(standard </a:t>
+            </a:r>
+            <a:r>
+              <a:rPr lang="en-US" sz="2400" dirty="0" err="1" smtClean="0">
+                <a:latin typeface="SimHei" panose="02010609060101010101" pitchFamily="49" charset="-122"/>
+                <a:ea typeface="SimHei" panose="02010609060101010101" pitchFamily="49" charset="-122"/>
+              </a:rPr>
+              <a:t>tokenizer</a:t>
+            </a:r>
+            <a:r>
+              <a:rPr lang="en-US" sz="2400" dirty="0">
+                <a:latin typeface="SimHei" panose="02010609060101010101" pitchFamily="49" charset="-122"/>
+                <a:ea typeface="SimHei" panose="02010609060101010101" pitchFamily="49" charset="-122"/>
+              </a:rPr>
+              <a:t>)</a:t>
+            </a:r>
+          </a:p>
+          <a:p>
+            <a:pPr algn="ctr"/>
+            <a:endParaRPr lang="en-US" sz="2400" dirty="0">
+              <a:latin typeface="SimHei" panose="02010609060101010101" pitchFamily="49" charset="-122"/>
+              <a:ea typeface="SimHei" panose="02010609060101010101" pitchFamily="49" charset="-122"/>
+            </a:endParaRPr>
+          </a:p>
+          <a:p>
+            <a:pPr algn="ctr"/>
+            <a:endParaRPr lang="en-US" sz="2400" dirty="0">
+              <a:latin typeface="SimHei" panose="02010609060101010101" pitchFamily="49" charset="-122"/>
+              <a:ea typeface="SimHei" panose="02010609060101010101" pitchFamily="49" charset="-122"/>
+            </a:endParaRPr>
+          </a:p>
+          <a:p>
+            <a:pPr algn="ctr"/>
+            <a:endParaRPr lang="en-US" sz="2400" dirty="0">
+              <a:latin typeface="SimHei" panose="02010609060101010101" pitchFamily="49" charset="-122"/>
+              <a:ea typeface="SimHei" panose="02010609060101010101" pitchFamily="49" charset="-122"/>
+            </a:endParaRPr>
+          </a:p>
+          <a:p>
+            <a:pPr algn="ctr"/>
+            <a:r>
+              <a:rPr lang="en-US" sz="2400" dirty="0" smtClean="0">
+                <a:latin typeface="SimHei" panose="02010609060101010101" pitchFamily="49" charset="-122"/>
+                <a:ea typeface="SimHei" panose="02010609060101010101" pitchFamily="49" charset="-122"/>
+              </a:rPr>
+              <a:t>“quick</a:t>
+            </a:r>
+            <a:r>
+              <a:rPr lang="en-US" sz="2400" dirty="0">
+                <a:latin typeface="SimHei" panose="02010609060101010101" pitchFamily="49" charset="-122"/>
+                <a:ea typeface="SimHei" panose="02010609060101010101" pitchFamily="49" charset="-122"/>
+              </a:rPr>
+              <a:t>”, “brown”, “fox”</a:t>
+            </a:r>
+          </a:p>
+          <a:p>
+            <a:pPr algn="ctr"/>
+            <a:r>
+              <a:rPr lang="en-US" sz="2000" dirty="0">
+                <a:latin typeface="SimHei" panose="02010609060101010101" pitchFamily="49" charset="-122"/>
+                <a:ea typeface="SimHei" panose="02010609060101010101" pitchFamily="49" charset="-122"/>
+              </a:rPr>
+              <a:t>(</a:t>
+            </a:r>
+            <a:r>
+              <a:rPr lang="en-US" sz="2000" dirty="0" smtClean="0">
+                <a:latin typeface="SimHei" panose="02010609060101010101" pitchFamily="49" charset="-122"/>
+                <a:ea typeface="SimHei" panose="02010609060101010101" pitchFamily="49" charset="-122"/>
+              </a:rPr>
+              <a:t>lowercase, stop word,  shingle)</a:t>
+            </a:r>
+            <a:endParaRPr lang="en-US" sz="2000" dirty="0">
+              <a:latin typeface="SimHei" panose="02010609060101010101" pitchFamily="49" charset="-122"/>
+              <a:ea typeface="SimHei" panose="02010609060101010101" pitchFamily="49" charset="-122"/>
+            </a:endParaRPr>
+          </a:p>
+          <a:p>
+            <a:pPr algn="ctr"/>
+            <a:endParaRPr lang="en-US" sz="2400" dirty="0">
+              <a:latin typeface="SimHei" panose="02010609060101010101" pitchFamily="49" charset="-122"/>
+              <a:ea typeface="SimHei" panose="02010609060101010101" pitchFamily="49" charset="-122"/>
+            </a:endParaRPr>
+          </a:p>
+          <a:p>
+            <a:pPr algn="ctr"/>
+            <a:endParaRPr lang="en-US" sz="2400" dirty="0">
+              <a:latin typeface="SimHei" panose="02010609060101010101" pitchFamily="49" charset="-122"/>
+              <a:ea typeface="SimHei" panose="02010609060101010101" pitchFamily="49" charset="-122"/>
+            </a:endParaRPr>
+          </a:p>
+          <a:p>
+            <a:pPr algn="ctr"/>
+            <a:r>
+              <a:rPr lang="en-US" sz="2400" dirty="0" smtClean="0">
+                <a:latin typeface="SimHei" panose="02010609060101010101" pitchFamily="49" charset="-122"/>
+                <a:ea typeface="SimHei" panose="02010609060101010101" pitchFamily="49" charset="-122"/>
+              </a:rPr>
+              <a:t>“quick”, “quick brown”, “brown fox”</a:t>
+            </a:r>
+            <a:endParaRPr lang="en-US" sz="2400" dirty="0">
+              <a:latin typeface="SimHei" panose="02010609060101010101" pitchFamily="49" charset="-122"/>
+              <a:ea typeface="SimHei" panose="02010609060101010101" pitchFamily="49" charset="-122"/>
+            </a:endParaRPr>
+          </a:p>
+          <a:p>
+            <a:pPr algn="ctr"/>
+            <a:r>
+              <a:rPr lang="en-US" sz="2000" dirty="0">
+                <a:latin typeface="SimHei" panose="02010609060101010101" pitchFamily="49" charset="-122"/>
+                <a:ea typeface="SimHei" panose="02010609060101010101" pitchFamily="49" charset="-122"/>
+              </a:rPr>
+              <a:t>(distinct terms)</a:t>
+            </a:r>
+            <a:endParaRPr lang="en-US" sz="2000" dirty="0">
+              <a:latin typeface="SimHei" panose="02010609060101010101" pitchFamily="49" charset="-122"/>
+              <a:ea typeface="SimHei" panose="02010609060101010101" pitchFamily="49" charset="-122"/>
+            </a:endParaRPr>
+          </a:p>
+        </p:txBody>
+      </p:sp>
+    </p:spTree>
+    <p:extLst>
+      <p:ext uri="{BB962C8B-B14F-4D97-AF65-F5344CB8AC3E}">
+        <p14:creationId xmlns:p14="http://schemas.microsoft.com/office/powerpoint/2010/main" val="3362950060"/>
+      </p:ext>
+    </p:extLst>
+  </p:cSld>
+  <p:clrMapOvr>
+    <a:masterClrMapping/>
+  </p:clrMapOvr>
+  <p:timing>
+    <p:tnLst>
+      <p:par>
+        <p:cTn id="1" dur="indefinite" restart="never" nodeType="tmRoot"/>
+      </p:par>
+    </p:tnLst>
+  </p:timing>
+</p:sld>
+</file>
+
+<file path=ppt/slides/slide11.xml><?xml version="1.0" encoding="utf-8"?>
+<p:sld xmlns:a="http://schemas.openxmlformats.org/drawingml/2006/main" xmlns:r="http://schemas.openxmlformats.org/officeDocument/2006/relationships" xmlns:p="http://schemas.openxmlformats.org/presentationml/2006/main">
+  <p:cSld>
+    <p:spTree>
+      <p:nvGrpSpPr>
+        <p:cNvPr id="1" name=""/>
+        <p:cNvGrpSpPr/>
+        <p:nvPr/>
+      </p:nvGrpSpPr>
+      <p:grpSpPr>
+        <a:xfrm>
+          <a:off x="0" y="0"/>
+          <a:ext cx="0" cy="0"/>
+          <a:chOff x="0" y="0"/>
+          <a:chExt cx="0" cy="0"/>
+        </a:xfrm>
+      </p:grpSpPr>
+      <p:graphicFrame>
+        <p:nvGraphicFramePr>
+          <p:cNvPr id="7" name="Table 6"/>
+          <p:cNvGraphicFramePr>
+            <a:graphicFrameLocks noGrp="1"/>
+          </p:cNvGraphicFramePr>
+          <p:nvPr/>
+        </p:nvGraphicFramePr>
+        <p:xfrm>
+          <a:off x="1082040" y="731520"/>
+          <a:ext cx="1097280" cy="365760"/>
+        </p:xfrm>
+        <a:graphic>
+          <a:graphicData uri="http://schemas.openxmlformats.org/drawingml/2006/table">
+            <a:tbl>
+              <a:tblPr/>
+              <a:tblGrid>
+                <a:gridCol w="1097280"/>
+              </a:tblGrid>
+              <a:tr h="320040">
+                <a:tc>
+                  <a:txBody>
+                    <a:bodyPr/>
+                    <a:lstStyle/>
+                    <a:p>
+                      <a:endParaRPr lang="en-US" dirty="0"/>
+                    </a:p>
+                  </a:txBody>
+                  <a:tcPr>
+                    <a:lnL>
+                      <a:noFill/>
+                    </a:lnL>
+                    <a:lnR>
+                      <a:noFill/>
+                    </a:lnR>
+                    <a:lnT>
+                      <a:noFill/>
+                    </a:lnT>
+                    <a:lnB>
+                      <a:noFill/>
+                    </a:lnB>
+                  </a:tcPr>
+                </a:tc>
+              </a:tr>
+            </a:tbl>
+          </a:graphicData>
+        </a:graphic>
+      </p:graphicFrame>
+      <p:sp>
+        <p:nvSpPr>
+          <p:cNvPr id="36" name="TextBox 35"/>
+          <p:cNvSpPr txBox="1"/>
+          <p:nvPr/>
+        </p:nvSpPr>
+        <p:spPr>
+          <a:xfrm>
+            <a:off x="0" y="0"/>
+            <a:ext cx="5827236" cy="707886"/>
+          </a:xfrm>
+          <a:prstGeom prst="rect">
+            <a:avLst/>
+          </a:prstGeom>
+          <a:noFill/>
+        </p:spPr>
+        <p:txBody>
+          <a:bodyPr wrap="none" rtlCol="0">
+            <a:spAutoFit/>
+          </a:bodyPr>
+          <a:lstStyle/>
+          <a:p>
+            <a:r>
+              <a:rPr lang="en-US" sz="4000" dirty="0" smtClean="0">
+                <a:latin typeface="SimHei" panose="02010609060101010101" pitchFamily="49" charset="-122"/>
+                <a:ea typeface="SimHei" panose="02010609060101010101" pitchFamily="49" charset="-122"/>
+              </a:rPr>
+              <a:t>you know,  for search!</a:t>
+            </a:r>
+            <a:endParaRPr lang="en-US" sz="4000" dirty="0">
+              <a:latin typeface="SimHei" panose="02010609060101010101" pitchFamily="49" charset="-122"/>
+              <a:ea typeface="SimHei" panose="02010609060101010101" pitchFamily="49" charset="-122"/>
+            </a:endParaRPr>
+          </a:p>
+        </p:txBody>
+      </p:sp>
+      <p:sp>
+        <p:nvSpPr>
+          <p:cNvPr id="3" name="TextBox 2"/>
+          <p:cNvSpPr txBox="1"/>
+          <p:nvPr/>
+        </p:nvSpPr>
+        <p:spPr>
+          <a:xfrm>
+            <a:off x="3508513" y="2454965"/>
+            <a:ext cx="1298753" cy="369332"/>
+          </a:xfrm>
+          <a:prstGeom prst="rect">
+            <a:avLst/>
+          </a:prstGeom>
+          <a:noFill/>
+        </p:spPr>
+        <p:txBody>
+          <a:bodyPr wrap="none" rtlCol="0">
+            <a:spAutoFit/>
+          </a:bodyPr>
+          <a:lstStyle/>
+          <a:p>
+            <a:r>
+              <a:rPr lang="en-US" dirty="0" err="1" smtClean="0"/>
+              <a:t>Es</a:t>
+            </a:r>
+            <a:r>
+              <a:rPr lang="en-US" dirty="0" smtClean="0"/>
+              <a:t> part one.</a:t>
+            </a:r>
+            <a:endParaRPr lang="en-US" dirty="0"/>
+          </a:p>
+        </p:txBody>
+      </p:sp>
+    </p:spTree>
+    <p:extLst>
+      <p:ext uri="{BB962C8B-B14F-4D97-AF65-F5344CB8AC3E}">
+        <p14:creationId xmlns:p14="http://schemas.microsoft.com/office/powerpoint/2010/main" val="3070823440"/>
+      </p:ext>
+    </p:extLst>
+  </p:cSld>
+  <p:clrMapOvr>
+    <a:masterClrMapping/>
+  </p:clrMapOvr>
+  <p:timing>
+    <p:tnLst>
+      <p:par>
+        <p:cTn id="1" dur="indefinite" restart="never" nodeType="tmRoot"/>
+      </p:par>
+    </p:tnLst>
+  </p:timing>
+</p:sld>
+</file>
+
+<file path=ppt/slides/slide12.xml><?xml version="1.0" encoding="utf-8"?>
+<p:sld xmlns:a="http://schemas.openxmlformats.org/drawingml/2006/main" xmlns:r="http://schemas.openxmlformats.org/officeDocument/2006/relationships" xmlns:p="http://schemas.openxmlformats.org/presentationml/2006/main">
+  <p:cSld>
+    <p:spTree>
+      <p:nvGrpSpPr>
+        <p:cNvPr id="1" name=""/>
+        <p:cNvGrpSpPr/>
+        <p:nvPr/>
+      </p:nvGrpSpPr>
+      <p:grpSpPr>
+        <a:xfrm>
+          <a:off x="0" y="0"/>
+          <a:ext cx="0" cy="0"/>
+          <a:chOff x="0" y="0"/>
+          <a:chExt cx="0" cy="0"/>
+        </a:xfrm>
+      </p:grpSpPr>
+      <p:sp>
+        <p:nvSpPr>
+          <p:cNvPr id="5" name="TextBox 4"/>
+          <p:cNvSpPr txBox="1"/>
+          <p:nvPr/>
+        </p:nvSpPr>
+        <p:spPr>
+          <a:xfrm>
+            <a:off x="57709" y="0"/>
+            <a:ext cx="12192000" cy="1015663"/>
+          </a:xfrm>
+          <a:prstGeom prst="rect">
+            <a:avLst/>
+          </a:prstGeom>
+          <a:noFill/>
+        </p:spPr>
+        <p:txBody>
+          <a:bodyPr wrap="square" rtlCol="0">
+            <a:spAutoFit/>
+          </a:bodyPr>
+          <a:lstStyle/>
+          <a:p>
+            <a:pPr algn="ctr"/>
+            <a:r>
+              <a:rPr lang="en-US" sz="6000" dirty="0" smtClean="0">
+                <a:latin typeface="SimHei" panose="02010609060101010101" pitchFamily="49" charset="-122"/>
+                <a:ea typeface="SimHei" panose="02010609060101010101" pitchFamily="49" charset="-122"/>
+              </a:rPr>
+              <a:t>sources</a:t>
+            </a:r>
+            <a:endParaRPr lang="en-US" sz="6000" dirty="0">
+              <a:latin typeface="SimHei" panose="02010609060101010101" pitchFamily="49" charset="-122"/>
+              <a:ea typeface="SimHei" panose="02010609060101010101" pitchFamily="49" charset="-122"/>
+            </a:endParaRPr>
+          </a:p>
+        </p:txBody>
+      </p:sp>
+      <p:graphicFrame>
+        <p:nvGraphicFramePr>
+          <p:cNvPr id="7" name="Table 6"/>
+          <p:cNvGraphicFramePr>
+            <a:graphicFrameLocks noGrp="1"/>
+          </p:cNvGraphicFramePr>
+          <p:nvPr/>
+        </p:nvGraphicFramePr>
+        <p:xfrm>
+          <a:off x="1082040" y="731520"/>
+          <a:ext cx="1097280" cy="365760"/>
+        </p:xfrm>
+        <a:graphic>
+          <a:graphicData uri="http://schemas.openxmlformats.org/drawingml/2006/table">
+            <a:tbl>
+              <a:tblPr/>
+              <a:tblGrid>
+                <a:gridCol w="1097280"/>
+              </a:tblGrid>
+              <a:tr h="320040">
+                <a:tc>
+                  <a:txBody>
+                    <a:bodyPr/>
+                    <a:lstStyle/>
+                    <a:p>
+                      <a:endParaRPr lang="en-US" dirty="0"/>
+                    </a:p>
+                  </a:txBody>
+                  <a:tcPr>
+                    <a:lnL>
+                      <a:noFill/>
+                    </a:lnL>
+                    <a:lnR>
+                      <a:noFill/>
+                    </a:lnR>
+                    <a:lnT>
+                      <a:noFill/>
+                    </a:lnT>
+                    <a:lnB>
+                      <a:noFill/>
+                    </a:lnB>
+                  </a:tcPr>
+                </a:tc>
+              </a:tr>
+            </a:tbl>
+          </a:graphicData>
+        </a:graphic>
+      </p:graphicFrame>
+      <p:sp>
+        <p:nvSpPr>
+          <p:cNvPr id="2" name="AutoShape 2" descr="data:image/webp;base64,UklGRlwXAABXRUJQVlA4IFAXAACwhACdASr6AFoBPrFKm0amI6IUulaoZAsE8TddL3jXTyT3K8s+f/3XnU2r/P+nve3eYdA+fz/e+s/+w/6n2Ev7B0WPMj5q3/K/c74A/131D/6B6TP/g9p70bemm/uGR+Nd8G7EE3v29/t/GWw2nWcndoQHnPC3+8CUWHJkhxnFr4wZzJmSSklJCP3F0f1CqDmYnXCR2ajpJbZWW6lftWXQTmJ6N9KHv8O4lJ8B4yPM1XG63FIzOiszGSeVJTpoDo+l9VLAhjkNiyqYBjmSYZoeinTtXzGK5JXJJj0uyXtLBAQOzECTBUoq6vUyRAvR2oda+anNwsIQL6xmNuPCzFCzQqjpWkzhftj0qydNAqj2xBxj0pfggFE6vsObE2CcxBnXxIhCrYhEcFEmYWKK4iMnC6zOK9CeLKc+35uuHcauZl7YUmzTr5O9fg/cg1t0djY4QqoHk9dsWLQFHg6ZR22Z5VoFR72OqbyGWLBTxbLz2jx9ETxirMLZ2+ySTwx8cbZ68yrWvzWhBKPiCDgaMv83S263C8rRpnpfSbiugEW4ZsLJyUEdzLQD8+mGgO7rVpweyjEEykK5wYqJ8DZKETEIl66IQIPS4ob4KL7usZtHBI1fyHdeS8AjXT3RbMM4heVy08cYa76+N5nkmPGCtYlbYHVMajZwZjpJqzOsvZownVrrnhYUZWzeO+IBWAv/8f1fPAeOuONceJzkLefQ/WEM5UXE/3r+fso9yc8F35JspZtYUOJkq9ZH57m5CknpEeGkLQcd1urh121df5G5nEUl0FqIgRcKJtoTEIM1aeHp9vz0rYJsl6y+PGS+BMq3kZmoobAlcZa9G8N8s+ezdaucILw+xqremtvbEI4StufJrWBJF9hOIYOcz4nvkmOmG/bl/XgJNm3JbBWd4+fojQ8nyERcDwfQPq6J5+hhAUkmTjbLcVoZJJON0cuabuT+rYGGP73xx9OzrcyftTd92vwKLLEouGmg5A54moSVbptzwiOX1oTHniHVwS5EV5zKuVSgWEece8gu/OD/NZBLUD4ghewOHzrEnFro2GFs2LmyHZDzRfr2WZd93Df1BECtK8snREYRbSChRTQJYDNBtw1Irj7qBdO8E9s/1ZK71nmO92Yz0vsECe6/YnByvrX5pcbrC0SZsgVdxceft7H4I6clEuqygmrFHwBdVqeH49VAn4KE5Cfy6Qk2y9B/hhTVlHm3+D1jWmWtZA4JS9zixgmbg5qDr0NvbKgdk+AtR3YPZVeHGQXIF6hzVgzLnLkmqx8m59Nab7d3JV33/8KOpI0oKTgN9pkjnqfka4unv4V5fwcGo5dWSkXaMaEC6VXUPqMDcdbyDUnzX6iRNd0GxrZW+gC9GqBpazcDnhgVnDIVLEDbMl+ZJOifZLOQ04NYtduleI/Mtm9B6A5CAi3jwAD+tq+NPD2+WmwfvzCuhb2tByhUac/8pIL/WGD83YbSW32Z+Yq91C71DzM9NFNMgQkCwLmNlJTqN+XYlZRFFD3uad+5jwAV+DGcaHDFjOxEO4FMzfspSzQD0dFHCNGZDB+XmbopLzvtvgRixrXuewgwGF14CC2UCP84n5CQjDAKwFR9ydStugS96yERWEZFTzijKQsURbfncTIk7jyuHe2bX8KEkqcmH+XCsPedYJpQKX8XtvelLaE98XU4ls9qrMvH3KdU+T+1PrVyrTBVRcgf2NQxAfPMMDZf3IbBBCG02+YYFDGfKqRRix9WyBZ1hJmATIamcE5WJGM6QRweT3fqaz+brywLBRslKxcBuIZFlda1UltdJ38gLF++0JuwE2tY0kvI4znxd8pSngStjX8N3DBY1o1wNUNzPgFpTlfZ7kj2raqw19O1gUeViKpMzbHXMPonLj0CaUHfw5KKK+rZFFme/++P1qp99TusX5IoAX41xN5KZtTokYhzSibtNIlEDkjcjCj9gf5PHlpshgFtXuMB3ApGbZo/di8hrBdPcJdkuqEqJAkGVCRY2tF7As9CDYADcJCT86s9FzLDV2h421rRWDRaZP2q9inPBGe7WI5UWCGeUHI8+4bsX4jVNMkzGVPfEgEy+gJ1Dk7+BC18tJMRnylGkBUZslih8+876iL1zpcuRaV5c0aiOsSLlXm/8spjtnDUJpbiN2T2sqotszk0ysBA2qzo9NxaEn3vgB/H2w6XH/0mE40fj4KJF/Ch2dd/uZxOElHb1/ECpxE9tBl654MsxbwxTe66/Db4Da9tBqCzYxMOEavgS09bqSa4l0u2Otnj+1mholpTQxHTAeM/d9B4cQgMBcg40KPUYI291G+stv9AEw8HTgtyXZ102GUhWx1uYnx/52KJxFRoAmpplZcmQ9jwVspsnoz9H3TYlIAhG+DoE0be+j9ymciGuaO7UmC/yEBG6KhmlGGYM2/8PR1KPZLdgAwWPrQjAMHT48zM7qH/mV3t5QOQRyIJhR92kjte5QuAv4Hpa/iaDGxuyla1FBrnwB4mqWOQp1PcbRXMeStUoOmi99NU1pGX3XvdftP8nA+4cugssb1YQDGm07m8w71kbLVeWEAbxqpe8KoD4mVQr7Qr5ICP5ogsnEgkPDb4yX4T2xiT+Z9r6Z2WWnzUTv3pCN4pzg2hb71vKoW6GoMerDIAvTWMlV3M2KGIWgedm6rbfscoyDFuGpg78ZlshFpyWAXk23+VEPiJAZHDl07ES1f1TDcaNOXalHc/BjpI3FKZPD/APqGSXpwmHn+XvVrEv26zHH2X1Kv21ABolxexgkd/zZDszHH8WtaDnVKvQCd/X1c8ADjr1eWmjgMdJOg5grG1k6J29PhZsXsm2OquExLIRxK6MYpT/WfWwvj4drQHKitOvHBhT4fMIkWrFXFT62DZ2bS3M/zOyqu3qVXwSqRVR7j4nh5JFYvHjI1RzmnZ6sh69ONqZbV2Zfz8JYJZLJBQQn7/6aAlEeztNCG18GjzEsHnf2IzjBQyThDK8QRCiysndI3ROyJNhz4a5+NQy8Pj688IuXWWEL4ERLyv4WNUDSHQSbHuLPSbpCDMjfRXUC0CA8CgY397WhmJj3x9au8PQDssQkyg4Zxyj16Oufw4ngKhIVlujk56kGd2Uoh6jGNtdHNskkcIQjCVRmrNLVSZ/UJ6d0ipT/D8wwoqzerogVijarFF2QJ7La2l59uie3MbLfio6zbbRK/ba4E+BFlAGc1PgoMUqQuCtlt8trGYv3A29jqdONLVnv6tYvld3sw9UCYcCGuwpVFa++8se6QSHA/JmZNal/Ley4UdbXBqrxA6u9JXzwLGCM+72XBL9eHFBKfT9RINHb/J8FMJYiPyePb0+WUjyxmXstzWmm+bm7K7LF3AOOVnD0zbrSVM1CgdjgVzlqjRioZ/Nzc9uNNEx3UQH7sAkm9bS2Dbh3kuLYpZ4lIgJMOzEllZzL55c1/y/RimW6MJET657rT13STom/gqRf8aDWhXB08eshhshx9WuodKNiU2iqtQXRrrzrD+k20++rvX2nIuNYt/1XSm9zAOt/osVU5tGw23XwWAi+eguiO2uBF3whMVVzQAgRqvw4hbvWb2YNvTNpMZeAyTWh7o97LEh8LCLXbz3ddeA3mFMlD8oMBmmcZyRbQzR4HA9CCUWNguaFHW/nOBN0zbE4Hd66PSrG79qK2zM94cf9DLIfeI37AIMsKmNEPuiXLZKn9PZbXeSu5b7kUEwDjJML6L81UKg5vAHyYvS3q3kENYsU8g2ux1I1lKTOm70KqAnzzkrW9hoFrWaEuz6vi43JtRd9FrUVmwC7x2QyHXn4efch614Sz7HIqQ53RwOsY0EO9izVfxNE4bkR59gmpEK4lvDbo9L+tVf8gcZg4PH/LrBRztU7vYmI/5/j/Gh5baWwjPHNtlfT2MDH7EsBGvI7hk92MPOV6Q06jMqi0B7Nz0J5dIlUW6T1sx7J3QE7uok3tznooDfdnEZfNucB/eoj0AM5JTcFDbco9tIQtGPDMfwK1VxNjf/DR26GfwZduTNx3E8r2H0jJkLCvjr5EcAS4azPHIWtYz4/NgOhXFmZCb6VJ5tQNx2dEJXyxIEuKmyD8Y+QnenSewGkxic4BTZvArqySKM/M8VcHOvXu+LFqQj+CyPLm023WEaWZuCpvrihDAPrTo5OkUXFI6hlkQ/UEF12SqvvFDRQEduAQvd4lXNGbfiRHA1fgduU1AsJMXiNbcMI7iW6j74M/2a3eHkCs9XxJdMPBkkOLSpTYd8rFYDZVdzzTtl1EIr6CALFGslEZytk0k9xe4VX5bQweYpTvElu6tnJ07W7TER7ptk+AnJmMYF/FQpCCo32KydcuhOjF3LpVqtILu1nAgq95oByRui9htOiXN1esvVQvkjuOMQryV9Z+EI01MSjwU+cyXZJi3xtsbWH/cbVNDwhQTcx6uPSYAhnkgB4V5V7QI+m1uJqrnOOsn3umUWZdYzjyGOJesk1jJqBPbgVScfg85flxQCwvcLaHhPXhnPNle2tqg+xSBsJcUJp8oskwHXrQIVanKyulBwX1UTfrgXyrLfKoCwafUGj3CYLwfETboUeGRc2jhiv60ZHoA0Hja1v67j/CMT13YDaKdcPIWpXvXkq/bSDzjo6dYRXgIACPCYus7qUVSWx2pq/CGjooxMlf7EhtV/XNkr+tVFxrDEUWMAMOsBaNCaWbvQ5a3JjAs0CqGHQcb2IEce2U2hXptQH0LCxWlUwdPjrKzaDj+RuiGP6rnQoPFYWhJ3XeKUAGJjz93y023J4t4dEwywbSyOGsPmip5xO4hwPOIA707GpC7YxbLPpVovVC4Ej5Lhig8CmQ2mUsaQAUAEb5xYuNDAEFNABXway+ZDQPJCigdlGqqxl/cqf5Q9VpD2pGaDk37y+Zhfz8kigrj3C7uzaLb7FQTXOjDN8jexckM76eP34Iysn9ZJQKvY8oEzg/qBiCbTW1J+ibPd9P5IfEn4zetMhmSu8FQXZNerFfga8+bAUqYdWlyEawGvYDYQrpjKflTXnBvsvw9DTQ3x16GGSB8LxoYZ3wi0ypxQsMm+HipPTFa87p4Bkrsug8ROp6L9UQDow+FrtCCvfIg2YDSTqdONrXOMMG8JlbwvbgH2/tHdU9x0dAbTxUW08w2r45sZP4O+Eodg0UW2DPF+FJWHBLZXd33SOWgR3UysNBaa/aqwaZ5Qhb6IzFOlDyV2Tfl0X9rvEMNHB3nybeUzcYmdjyEcxGe8gmIWI8uSmvpOOpjfji3Cf/lf9RGQGb9KeApmiihdPalhxLlHcmC7Iefx3te5/YlQHcaqbDGMnjMQBvSIPfz0oA5TlyERtwwBdircNRYvFzB5mM7SCR+PRqLmF5JrrpEteXjka9EdvawXpq12fJo/g+5Xn7nQ2lEuXTHbs6Y208m9hKpKKse3MkXUoM9iLgewy22uedgnmjkRGr6DU62xpCPdYwkZ92R4bTiyvif/FgdK1WbueSMjIpzlEe3Uez3v9RNDw2gwQuqPj7RoA+7fVWJrpYpH82nL1kV021eSEpoCbVTRVrOsqMziqQAKU+nEtsePo/EH0l0W5vK193L3XT3g+GWJ9SJtjUXTbJkk0IOyj+1jGl6jBy3JPyRUykcJPbahZp8GDF/w9f+Hap6iOQFMBA02ynCblN9UnUiy1AEfhMQ0piUg/GaL1qNLIx8+HyZpUzHjz5/8G+G3+ePvTgaDDsYsoe2QWcFDyVE0OjpuQrP+eo4QCp9o3TYUZBzaFizGCZ1ipBsBKwUqygKOVFP+9QPmDc5XJTDuDQeTE9lO6scXFuzz73HYbOuKtIQOX1wpkEX6QfRLXQa3Ro29Bl9xl1OUsH0SIWqgDPan563yfLrizXHY/sn/uqRUULp9izHaySOhpWEi+9fyPCAkGbd2eUL7WklO107lAm2FA4F6eAqounhewDwwOnAeeiv5ovtnzTlnBMx3GvlX+E9ZLF6NKUXGM27WfxuAhbyxyyk6sphSBg1sA8jhyHyYU4/C0WegXNOLaWTWm6kOyu8PMbrcMrHXWye7dRqdBp9F/5U08hsbCxuHbM0mQo0qA9QD1mItYTP11DN53y3yIT54Ibcv2v0/CT6EAuuPILosMUEtUP25sP8qxKHd+S7fwE2ao8Kah96C9FgbXWfC5zk+yHMQ3oMX075mciTVu+Pc6vc/TRhxokkHIHjbJL2Zsj4urKxQ7QfSDrr3PhBsa0GXvhKB/1aOh34dqiXdKMxCOqv/oA6dfFKBuSusql7z6V7DdiGM+8XXYQ0jfSDkDEJq2kyeU8xUa73/xgJT3NjonezIl7YeEbHZMq/gcbL91UlGwImenlVum0vQpBSgjxdOt+6OkxtA0ZvR+PAnQPlidEU485kr3V/gxMdvG3HqyrautqZyMrBPudWZTd+JqIQs6+cUNNcTY9b58tzNQlCqgjhX8c/HeiqLgK7j4VpP9psj7Sg+LcfXIgsD1CzKAkQ/BlP5eVFcxh2hJs2El7Sv/ZsJkFzh6L0jaIIVzDXYHvLpRGuGGTsZMfTAL4bjBAJmphScn280+1GWw253B7KGAD4at1hSle/YHyJ7Aa2fFuIe/SwsCU3FnN4NJa13jF3DtdBTSg/zNqHV2fJB29XB/JAQkH8JwkNi0SL4TSUFrFd4crwqcQn2EgEYP3Qaw8yHn69a3Zvy9esljgBBF+InX4/pnUOQeNtiVczEr48QAcWP6BEb6XTMX9WDE4TeHhTyZGsRj57/Kppn0mLLju620z1v55uVgxmoX7/vk9tIYfkmNWBDV/90YFtEu4aAnPtUM3esOQCRLGv7nZDSaTy5fSd4zuaq9ZKZYIsgXCOfdezRQJnYC0Utm2Iruwjv+TPigKQZv74nmBtgJHeUy1GC+diIeEhu7VCqwsNHD4IQkLYiu+MhzdMmJNQXnMpkaseGRI1l6JyesibAG9OeQbQOtnTjAoGLTwwoYc6CF5VUAwozAhyVzEq1blfwkM+8s0BNdUVzl8mYHKs15x2XWYYFl5XRRjs7xe3nSogFL5kWQeheCF37nfuvRWD19wJAlHJPT+wwFt8gQfgdEzniSns/EHkVaqlO3nnJbMg/DEb/yVMTcOrIt74+p7omsMogv5RaFA9y3KrMFW4erRlU+KftZ2PNtL689xwC/lv7UlH2WCovG9B/2s+D5rx1UE9pmD0a3eYpppdFDoEjJcmDiwdUsmLR/FoUc3028l1bwoWsZf1sP5LBCeadWFt0L3BcG8RJO5xXz4BIuvQ9xc/91uPdmMTV8S/cNEn2zwg8miBX30ZJnI5FwWbLpF4IoyE7Ss419AbK4ns8Ul8Ow5CRbwVnNL3ZxZU6R4M+YACqQkoqe2HQTVMULXWFRm0R8sOcd4CWm78+C1zQAserusIke3nRE1LP8QhVIcX+013BxYfNvWvS2ZgyZPY15weBYCwhkuWviPUZEV34ZDoqfzkZ0EN8TttlHmlh5PCmczpF38Cv3RNxL1Xp3L6IALrLr2bi2sux8lfGEHhcD7vytidqnEc+1XCY4U9/pvtyU05/TFiUYSYorh10J0WrXHRp8aoZcKFUmLnhwSPbcdaNU5HBo1mE1yVtHHRueL3CeerC6gc3eUL/v3U0/Zf78qt1CvOIqrZ3y1FzJMLM+PKQ+A2lqA+RpLp3o+fBr2mlrFcFTGrj/lRvtgovXEeik8E5E5T+Nm75/q1fmhdKo50J4VqmqJtkio0BK0fHHZ1DKZmajcR1XIDI76cXBi5ijf/zUk68pzHq2u36vRvvzfQbxU1v/caKVzhWwR/jesLK9tCSHQ5I4IAntPAfzA07K3t92cI/nJCUy4LJJdJYmFKVbY6NUEP5FRW1iuBaqoll6uRTRVQ60/XjuiTDsYDiiQKkeKQa9laTHxFj9IZBKcy8VT4n4Xvt334VOBitBJ+KnOx9laHjNWPjkv6HF/jgSUydtIDu8cARiWPyALbL+N8Bb/su+4+iUUAAAAA"/>
+          <p:cNvSpPr>
+            <a:spLocks noChangeAspect="1" noChangeArrowheads="1"/>
+          </p:cNvSpPr>
+          <p:nvPr/>
+        </p:nvSpPr>
+        <p:spPr bwMode="auto">
+          <a:xfrm>
+            <a:off x="155575" y="-144463"/>
+            <a:ext cx="304800" cy="304801"/>
+          </a:xfrm>
+          <a:prstGeom prst="rect">
+            <a:avLst/>
+          </a:prstGeom>
+          <a:noFill/>
+          <a:extLst>
+            <a:ext uri="{909E8E84-426E-40DD-AFC4-6F175D3DCCD1}">
+              <a14:hiddenFill xmlns:a14="http://schemas.microsoft.com/office/drawing/2010/main">
+                <a:solidFill>
+                  <a:srgbClr val="FFFFFF"/>
+                </a:solidFill>
+              </a14:hiddenFill>
+            </a:ext>
+          </a:extLst>
+        </p:spPr>
+        <p:txBody>
+          <a:bodyPr vert="horz" wrap="square" lIns="91440" tIns="45720" rIns="91440" bIns="45720" numCol="1" anchor="t" anchorCtr="0" compatLnSpc="1">
+            <a:prstTxWarp prst="textNoShape">
+              <a:avLst/>
+            </a:prstTxWarp>
+          </a:bodyPr>
+          <a:lstStyle/>
+          <a:p>
+            <a:endParaRPr lang="en-US"/>
+          </a:p>
+        </p:txBody>
+      </p:sp>
+      <p:pic>
+        <p:nvPicPr>
+          <p:cNvPr id="4" name="Picture 3"/>
+          <p:cNvPicPr>
+            <a:picLocks noChangeAspect="1"/>
+          </p:cNvPicPr>
+          <p:nvPr/>
+        </p:nvPicPr>
+        <p:blipFill>
+          <a:blip r:embed="rId3"/>
+          <a:stretch>
+            <a:fillRect/>
+          </a:stretch>
+        </p:blipFill>
+        <p:spPr>
+          <a:xfrm>
+            <a:off x="2131695" y="1783080"/>
+            <a:ext cx="2381250" cy="3295650"/>
+          </a:xfrm>
+          <a:prstGeom prst="rect">
+            <a:avLst/>
+          </a:prstGeom>
+        </p:spPr>
+      </p:pic>
+      <p:pic>
+        <p:nvPicPr>
+          <p:cNvPr id="8" name="Picture 7"/>
+          <p:cNvPicPr>
+            <a:picLocks noChangeAspect="1"/>
+          </p:cNvPicPr>
+          <p:nvPr/>
+        </p:nvPicPr>
+        <p:blipFill>
+          <a:blip r:embed="rId4"/>
+          <a:stretch>
+            <a:fillRect/>
+          </a:stretch>
+        </p:blipFill>
+        <p:spPr>
+          <a:xfrm>
+            <a:off x="7646670" y="1783080"/>
+            <a:ext cx="2476500" cy="3248025"/>
+          </a:xfrm>
+          <a:prstGeom prst="rect">
+            <a:avLst/>
+          </a:prstGeom>
+        </p:spPr>
+      </p:pic>
+    </p:spTree>
+    <p:extLst>
+      <p:ext uri="{BB962C8B-B14F-4D97-AF65-F5344CB8AC3E}">
+        <p14:creationId xmlns:p14="http://schemas.microsoft.com/office/powerpoint/2010/main" val="2375592576"/>
+      </p:ext>
+    </p:extLst>
+  </p:cSld>
+  <p:clrMapOvr>
+    <a:masterClrMapping/>
+  </p:clrMapOvr>
+  <p:timing>
+    <p:tnLst>
+      <p:par>
+        <p:cTn id="1" dur="indefinite" restart="never" nodeType="tmRoot"/>
+      </p:par>
+    </p:tnLst>
+  </p:timing>
+</p:sld>
+</file>
+
+<file path=ppt/slides/slide13.xml><?xml version="1.0" encoding="utf-8"?>
+<p:sld xmlns:a="http://schemas.openxmlformats.org/drawingml/2006/main" xmlns:r="http://schemas.openxmlformats.org/officeDocument/2006/relationships" xmlns:p="http://schemas.openxmlformats.org/presentationml/2006/main">
+  <p:cSld>
+    <p:spTree>
+      <p:nvGrpSpPr>
+        <p:cNvPr id="1" name=""/>
+        <p:cNvGrpSpPr/>
+        <p:nvPr/>
+      </p:nvGrpSpPr>
+      <p:grpSpPr>
+        <a:xfrm>
+          <a:off x="0" y="0"/>
+          <a:ext cx="0" cy="0"/>
+          <a:chOff x="0" y="0"/>
+          <a:chExt cx="0" cy="0"/>
+        </a:xfrm>
+      </p:grpSpPr>
+      <p:sp>
+        <p:nvSpPr>
+          <p:cNvPr id="3" name="TextBox 2"/>
+          <p:cNvSpPr txBox="1"/>
+          <p:nvPr/>
+        </p:nvSpPr>
+        <p:spPr>
+          <a:xfrm>
+            <a:off x="5623560" y="2057400"/>
+            <a:ext cx="800219" cy="1569660"/>
+          </a:xfrm>
+          <a:prstGeom prst="rect">
+            <a:avLst/>
+          </a:prstGeom>
+          <a:noFill/>
+        </p:spPr>
+        <p:txBody>
+          <a:bodyPr wrap="none" rtlCol="0">
+            <a:spAutoFit/>
+          </a:bodyPr>
+          <a:lstStyle/>
+          <a:p>
+            <a:r>
+              <a:rPr lang="en-US" sz="9600" dirty="0" smtClean="0">
+                <a:latin typeface="SimHei" panose="02010609060101010101" pitchFamily="49" charset="-122"/>
+                <a:ea typeface="SimHei" panose="02010609060101010101" pitchFamily="49" charset="-122"/>
+              </a:rPr>
+              <a:t>?</a:t>
+            </a:r>
+            <a:endParaRPr lang="en-US" sz="9600" dirty="0">
+              <a:latin typeface="SimHei" panose="02010609060101010101" pitchFamily="49" charset="-122"/>
+              <a:ea typeface="SimHei" panose="02010609060101010101" pitchFamily="49" charset="-122"/>
+            </a:endParaRPr>
+          </a:p>
+        </p:txBody>
+      </p:sp>
+    </p:spTree>
+    <p:extLst>
+      <p:ext uri="{BB962C8B-B14F-4D97-AF65-F5344CB8AC3E}">
+        <p14:creationId xmlns:p14="http://schemas.microsoft.com/office/powerpoint/2010/main" val="3075343930"/>
       </p:ext>
     </p:extLst>
   </p:cSld>
@@ -5800,14 +7335,7 @@
                   <a:latin typeface="SimHei" panose="02010609060101010101" pitchFamily="49" charset="-122"/>
                   <a:ea typeface="SimHei" panose="02010609060101010101" pitchFamily="49" charset="-122"/>
                 </a:rPr>
-                <a:t>analyze </a:t>
-              </a:r>
-              <a:r>
-                <a:rPr lang="en-US" dirty="0" smtClean="0">
-                  <a:latin typeface="SimHei" panose="02010609060101010101" pitchFamily="49" charset="-122"/>
-                  <a:ea typeface="SimHei" panose="02010609060101010101" pitchFamily="49" charset="-122"/>
-                </a:rPr>
-                <a:t>document</a:t>
+                <a:t>analyze document</a:t>
               </a:r>
               <a:endParaRPr lang="en-US" dirty="0">
                 <a:latin typeface="SimHei" panose="02010609060101010101" pitchFamily="49" charset="-122"/>
@@ -6458,7 +7986,7 @@
         </p:nvSpPr>
         <p:spPr>
           <a:xfrm>
-            <a:off x="182880" y="-176332"/>
+            <a:off x="-112176" y="-270362"/>
             <a:ext cx="3262432" cy="1015663"/>
           </a:xfrm>
           <a:prstGeom prst="rect">
@@ -6659,178 +8187,6 @@
           </a:p>
         </p:txBody>
       </p:sp>
-      <p:grpSp>
-        <p:nvGrpSpPr>
-          <p:cNvPr id="31" name="Group 30"/>
-          <p:cNvGrpSpPr/>
-          <p:nvPr/>
-        </p:nvGrpSpPr>
-        <p:grpSpPr>
-          <a:xfrm>
-            <a:off x="5092173" y="4098546"/>
-            <a:ext cx="2111923" cy="869694"/>
-            <a:chOff x="6324599" y="2758440"/>
-            <a:chExt cx="2111923" cy="1082040"/>
-          </a:xfrm>
-        </p:grpSpPr>
-        <p:sp>
-          <p:nvSpPr>
-            <p:cNvPr id="33" name="Rectangle 32"/>
-            <p:cNvSpPr/>
-            <p:nvPr/>
-          </p:nvSpPr>
-          <p:spPr>
-            <a:xfrm>
-              <a:off x="6324599" y="2758440"/>
-              <a:ext cx="2111923" cy="1082040"/>
-            </a:xfrm>
-            <a:prstGeom prst="rect">
-              <a:avLst/>
-            </a:prstGeom>
-            <a:noFill/>
-            <a:ln>
-              <a:solidFill>
-                <a:schemeClr val="tx1"/>
-              </a:solidFill>
-            </a:ln>
-          </p:spPr>
-          <p:style>
-            <a:lnRef idx="2">
-              <a:schemeClr val="accent1">
-                <a:shade val="50000"/>
-              </a:schemeClr>
-            </a:lnRef>
-            <a:fillRef idx="1">
-              <a:schemeClr val="accent1"/>
-            </a:fillRef>
-            <a:effectRef idx="0">
-              <a:schemeClr val="accent1"/>
-            </a:effectRef>
-            <a:fontRef idx="minor">
-              <a:schemeClr val="lt1"/>
-            </a:fontRef>
-          </p:style>
-          <p:txBody>
-            <a:bodyPr rtlCol="0" anchor="ctr"/>
-            <a:lstStyle/>
-            <a:p>
-              <a:pPr algn="ctr"/>
-              <a:endParaRPr lang="en-US"/>
-            </a:p>
-          </p:txBody>
-        </p:sp>
-        <p:sp>
-          <p:nvSpPr>
-            <p:cNvPr id="34" name="Rectangle 33"/>
-            <p:cNvSpPr/>
-            <p:nvPr/>
-          </p:nvSpPr>
-          <p:spPr>
-            <a:xfrm>
-              <a:off x="6324600" y="3114794"/>
-              <a:ext cx="2111922" cy="459509"/>
-            </a:xfrm>
-            <a:prstGeom prst="rect">
-              <a:avLst/>
-            </a:prstGeom>
-          </p:spPr>
-          <p:txBody>
-            <a:bodyPr wrap="square">
-              <a:spAutoFit/>
-            </a:bodyPr>
-            <a:lstStyle/>
-            <a:p>
-              <a:pPr algn="ctr"/>
-              <a:r>
-                <a:rPr lang="en-US" dirty="0" smtClean="0">
-                  <a:latin typeface="SimHei" panose="02010609060101010101" pitchFamily="49" charset="-122"/>
-                  <a:ea typeface="SimHei" panose="02010609060101010101" pitchFamily="49" charset="-122"/>
-                </a:rPr>
-                <a:t>filter</a:t>
-              </a:r>
-              <a:endParaRPr lang="en-US" dirty="0">
-                <a:latin typeface="SimHei" panose="02010609060101010101" pitchFamily="49" charset="-122"/>
-                <a:ea typeface="SimHei" panose="02010609060101010101" pitchFamily="49" charset="-122"/>
-              </a:endParaRPr>
-            </a:p>
-          </p:txBody>
-        </p:sp>
-      </p:grpSp>
-      <p:cxnSp>
-        <p:nvCxnSpPr>
-          <p:cNvPr id="38" name="Straight Arrow Connector 37"/>
-          <p:cNvCxnSpPr>
-            <a:stCxn id="24" idx="2"/>
-            <a:endCxn id="33" idx="0"/>
-          </p:cNvCxnSpPr>
-          <p:nvPr/>
-        </p:nvCxnSpPr>
-        <p:spPr>
-          <a:xfrm>
-            <a:off x="6140663" y="3200400"/>
-            <a:ext cx="7472" cy="898146"/>
-          </a:xfrm>
-          <a:prstGeom prst="straightConnector1">
-            <a:avLst/>
-          </a:prstGeom>
-          <a:ln>
-            <a:solidFill>
-              <a:schemeClr val="tx1"/>
-            </a:solidFill>
-            <a:tailEnd type="triangle"/>
-          </a:ln>
-        </p:spPr>
-        <p:style>
-          <a:lnRef idx="1">
-            <a:schemeClr val="accent1"/>
-          </a:lnRef>
-          <a:fillRef idx="0">
-            <a:schemeClr val="accent1"/>
-          </a:fillRef>
-          <a:effectRef idx="0">
-            <a:schemeClr val="accent1"/>
-          </a:effectRef>
-          <a:fontRef idx="minor">
-            <a:schemeClr val="tx1"/>
-          </a:fontRef>
-        </p:style>
-      </p:cxnSp>
-      <p:cxnSp>
-        <p:nvCxnSpPr>
-          <p:cNvPr id="39" name="Straight Arrow Connector 38"/>
-          <p:cNvCxnSpPr/>
-          <p:nvPr/>
-        </p:nvCxnSpPr>
-        <p:spPr>
-          <a:xfrm>
-            <a:off x="6140663" y="4973165"/>
-            <a:ext cx="7472" cy="898146"/>
-          </a:xfrm>
-          <a:prstGeom prst="straightConnector1">
-            <a:avLst/>
-          </a:prstGeom>
-          <a:ln>
-            <a:solidFill>
-              <a:schemeClr val="tx1"/>
-            </a:solidFill>
-            <a:tailEnd type="triangle"/>
-          </a:ln>
-        </p:spPr>
-        <p:style>
-          <a:lnRef idx="1">
-            <a:schemeClr val="accent1"/>
-          </a:lnRef>
-          <a:fillRef idx="0">
-            <a:schemeClr val="accent1"/>
-          </a:fillRef>
-          <a:effectRef idx="0">
-            <a:schemeClr val="accent1"/>
-          </a:effectRef>
-          <a:fontRef idx="minor">
-            <a:schemeClr val="tx1"/>
-          </a:fontRef>
-        </p:style>
-      </p:cxnSp>
       <p:sp>
         <p:nvSpPr>
           <p:cNvPr id="40" name="TextBox 39"/>
@@ -6839,8 +8195,8 @@
         </p:nvSpPr>
         <p:spPr>
           <a:xfrm>
-            <a:off x="4585538" y="914992"/>
-            <a:ext cx="3125191" cy="369332"/>
+            <a:off x="3445311" y="769187"/>
+            <a:ext cx="8312679" cy="5816977"/>
           </a:xfrm>
           <a:prstGeom prst="rect">
             <a:avLst/>
@@ -6855,143 +8211,175 @@
           <a:p>
             <a:pPr algn="ctr"/>
             <a:r>
-              <a:rPr lang="en-US" smtClean="0">
-                <a:latin typeface="SimHei" panose="02010609060101010101" pitchFamily="49" charset="-122"/>
-                <a:ea typeface="SimHei" panose="02010609060101010101" pitchFamily="49" charset="-122"/>
-              </a:rPr>
-              <a:t>“The </a:t>
-            </a:r>
-            <a:r>
-              <a:rPr lang="en-US" dirty="0" smtClean="0">
-                <a:latin typeface="SimHei" panose="02010609060101010101" pitchFamily="49" charset="-122"/>
-                <a:ea typeface="SimHei" panose="02010609060101010101" pitchFamily="49" charset="-122"/>
-              </a:rPr>
-              <a:t>quick </a:t>
-            </a:r>
-            <a:r>
-              <a:rPr lang="en-US" smtClean="0">
-                <a:latin typeface="SimHei" panose="02010609060101010101" pitchFamily="49" charset="-122"/>
-                <a:ea typeface="SimHei" panose="02010609060101010101" pitchFamily="49" charset="-122"/>
-              </a:rPr>
-              <a:t>brown fox”</a:t>
-            </a:r>
+              <a:rPr lang="en-US" sz="2400" dirty="0" smtClean="0">
+                <a:latin typeface="SimHei" panose="02010609060101010101" pitchFamily="49" charset="-122"/>
+                <a:ea typeface="SimHei" panose="02010609060101010101" pitchFamily="49" charset="-122"/>
+              </a:rPr>
+              <a:t>“The quick brown fox”</a:t>
+            </a:r>
+          </a:p>
+          <a:p>
+            <a:pPr algn="ctr"/>
+            <a:endParaRPr lang="en-US" sz="2400" dirty="0">
+              <a:latin typeface="SimHei" panose="02010609060101010101" pitchFamily="49" charset="-122"/>
+              <a:ea typeface="SimHei" panose="02010609060101010101" pitchFamily="49" charset="-122"/>
+            </a:endParaRPr>
+          </a:p>
+          <a:p>
+            <a:pPr algn="ctr"/>
+            <a:endParaRPr lang="en-US" sz="2400" dirty="0">
+              <a:latin typeface="SimHei" panose="02010609060101010101" pitchFamily="49" charset="-122"/>
+              <a:ea typeface="SimHei" panose="02010609060101010101" pitchFamily="49" charset="-122"/>
+            </a:endParaRPr>
+          </a:p>
+          <a:p>
+            <a:pPr algn="ctr"/>
+            <a:endParaRPr lang="en-US" sz="2400" dirty="0" smtClean="0">
+              <a:latin typeface="SimHei" panose="02010609060101010101" pitchFamily="49" charset="-122"/>
+              <a:ea typeface="SimHei" panose="02010609060101010101" pitchFamily="49" charset="-122"/>
+            </a:endParaRPr>
+          </a:p>
+          <a:p>
+            <a:pPr algn="ctr"/>
+            <a:r>
+              <a:rPr lang="en-US" sz="2400" dirty="0" smtClean="0">
+                <a:latin typeface="SimHei" panose="02010609060101010101" pitchFamily="49" charset="-122"/>
+                <a:ea typeface="SimHei" panose="02010609060101010101" pitchFamily="49" charset="-122"/>
+              </a:rPr>
+              <a:t>“</a:t>
+            </a:r>
+            <a:r>
+              <a:rPr lang="en-US" sz="2400" dirty="0" err="1" smtClean="0">
+                <a:latin typeface="SimHei" panose="02010609060101010101" pitchFamily="49" charset="-122"/>
+                <a:ea typeface="SimHei" panose="02010609060101010101" pitchFamily="49" charset="-122"/>
+              </a:rPr>
+              <a:t>The”,“quick”,“brown”,“fox</a:t>
+            </a:r>
+            <a:r>
+              <a:rPr lang="en-US" sz="2400" dirty="0" smtClean="0">
+                <a:latin typeface="SimHei" panose="02010609060101010101" pitchFamily="49" charset="-122"/>
+                <a:ea typeface="SimHei" panose="02010609060101010101" pitchFamily="49" charset="-122"/>
+              </a:rPr>
+              <a:t>”</a:t>
+            </a:r>
+            <a:endParaRPr lang="en-US" sz="2400" dirty="0">
+              <a:latin typeface="SimHei" panose="02010609060101010101" pitchFamily="49" charset="-122"/>
+              <a:ea typeface="SimHei" panose="02010609060101010101" pitchFamily="49" charset="-122"/>
+            </a:endParaRPr>
+          </a:p>
+          <a:p>
+            <a:pPr algn="ctr"/>
+            <a:r>
+              <a:rPr lang="en-US" dirty="0">
+                <a:latin typeface="SimHei" panose="02010609060101010101" pitchFamily="49" charset="-122"/>
+                <a:ea typeface="SimHei" panose="02010609060101010101" pitchFamily="49" charset="-122"/>
+              </a:rPr>
+              <a:t>(whitespace </a:t>
+            </a:r>
+            <a:r>
+              <a:rPr lang="en-US" dirty="0" err="1">
+                <a:latin typeface="SimHei" panose="02010609060101010101" pitchFamily="49" charset="-122"/>
+                <a:ea typeface="SimHei" panose="02010609060101010101" pitchFamily="49" charset="-122"/>
+              </a:rPr>
+              <a:t>tokenizer</a:t>
+            </a:r>
+            <a:r>
+              <a:rPr lang="en-US" dirty="0">
+                <a:latin typeface="SimHei" panose="02010609060101010101" pitchFamily="49" charset="-122"/>
+                <a:ea typeface="SimHei" panose="02010609060101010101" pitchFamily="49" charset="-122"/>
+              </a:rPr>
+              <a:t>)</a:t>
+            </a:r>
+          </a:p>
+          <a:p>
+            <a:pPr algn="ctr"/>
             <a:endParaRPr lang="en-US" dirty="0">
               <a:latin typeface="SimHei" panose="02010609060101010101" pitchFamily="49" charset="-122"/>
               <a:ea typeface="SimHei" panose="02010609060101010101" pitchFamily="49" charset="-122"/>
             </a:endParaRPr>
           </a:p>
-        </p:txBody>
-      </p:sp>
-      <p:sp>
-        <p:nvSpPr>
-          <p:cNvPr id="41" name="Rounded Rectangle 40"/>
-          <p:cNvSpPr/>
-          <p:nvPr/>
-        </p:nvSpPr>
-        <p:spPr>
-          <a:xfrm>
-            <a:off x="5242560" y="5866386"/>
-            <a:ext cx="1737360" cy="745629"/>
-          </a:xfrm>
-          <a:prstGeom prst="roundRect">
-            <a:avLst/>
-          </a:prstGeom>
-          <a:noFill/>
-          <a:ln>
-            <a:solidFill>
-              <a:schemeClr val="tx1"/>
-            </a:solidFill>
-          </a:ln>
-        </p:spPr>
-        <p:style>
-          <a:lnRef idx="2">
-            <a:schemeClr val="accent1">
-              <a:shade val="50000"/>
-            </a:schemeClr>
-          </a:lnRef>
-          <a:fillRef idx="1">
-            <a:schemeClr val="accent1"/>
-          </a:fillRef>
-          <a:effectRef idx="0">
-            <a:schemeClr val="accent1"/>
-          </a:effectRef>
-          <a:fontRef idx="minor">
-            <a:schemeClr val="lt1"/>
-          </a:fontRef>
-        </p:style>
-        <p:txBody>
-          <a:bodyPr rtlCol="0" anchor="ctr"/>
-          <a:lstStyle/>
           <a:p>
             <a:pPr algn="ctr"/>
-            <a:endParaRPr lang="en-US"/>
-          </a:p>
-        </p:txBody>
-      </p:sp>
-      <p:sp>
-        <p:nvSpPr>
-          <p:cNvPr id="42" name="TextBox 41"/>
-          <p:cNvSpPr txBox="1"/>
-          <p:nvPr/>
-        </p:nvSpPr>
-        <p:spPr>
-          <a:xfrm>
-            <a:off x="5242561" y="6048131"/>
-            <a:ext cx="1737360" cy="369332"/>
-          </a:xfrm>
-          <a:prstGeom prst="rect">
-            <a:avLst/>
-          </a:prstGeom>
-          <a:noFill/>
-        </p:spPr>
-        <p:txBody>
-          <a:bodyPr wrap="square" rtlCol="0">
-            <a:spAutoFit/>
-          </a:bodyPr>
-          <a:lstStyle/>
-          <a:p>
-            <a:pPr algn="ctr"/>
-            <a:r>
-              <a:rPr lang="en-US" dirty="0" smtClean="0">
-                <a:latin typeface="SimHei" panose="02010609060101010101" pitchFamily="49" charset="-122"/>
-                <a:ea typeface="SimHei" panose="02010609060101010101" pitchFamily="49" charset="-122"/>
-              </a:rPr>
-              <a:t> terms</a:t>
-            </a:r>
-            <a:endParaRPr lang="en-US" dirty="0">
+            <a:endParaRPr lang="en-US" sz="2400" dirty="0" smtClean="0">
               <a:latin typeface="SimHei" panose="02010609060101010101" pitchFamily="49" charset="-122"/>
               <a:ea typeface="SimHei" panose="02010609060101010101" pitchFamily="49" charset="-122"/>
             </a:endParaRPr>
           </a:p>
-        </p:txBody>
-      </p:sp>
-      <p:sp>
-        <p:nvSpPr>
-          <p:cNvPr id="8" name="TextBox 7"/>
-          <p:cNvSpPr txBox="1"/>
-          <p:nvPr/>
-        </p:nvSpPr>
-        <p:spPr>
-          <a:xfrm>
-            <a:off x="4953000" y="2568305"/>
-            <a:ext cx="2452403" cy="369332"/>
-          </a:xfrm>
-          <a:prstGeom prst="rect">
-            <a:avLst/>
-          </a:prstGeom>
-          <a:noFill/>
-        </p:spPr>
-        <p:txBody>
-          <a:bodyPr wrap="none" rtlCol="0">
-            <a:spAutoFit/>
-          </a:bodyPr>
-          <a:lstStyle/>
-          <a:p>
-            <a:r>
-              <a:rPr lang="en-US" dirty="0" smtClean="0"/>
-              <a:t>“The, quick, brown, fox”</a:t>
-            </a:r>
-            <a:endParaRPr lang="en-US" dirty="0"/>
+          <a:p>
+            <a:pPr algn="ctr"/>
+            <a:endParaRPr lang="en-US" sz="2400" dirty="0">
+              <a:latin typeface="SimHei" panose="02010609060101010101" pitchFamily="49" charset="-122"/>
+              <a:ea typeface="SimHei" panose="02010609060101010101" pitchFamily="49" charset="-122"/>
+            </a:endParaRPr>
+          </a:p>
+          <a:p>
+            <a:pPr algn="ctr"/>
+            <a:r>
+              <a:rPr lang="en-US" sz="2400" dirty="0" smtClean="0">
+                <a:latin typeface="SimHei" panose="02010609060101010101" pitchFamily="49" charset="-122"/>
+                <a:ea typeface="SimHei" panose="02010609060101010101" pitchFamily="49" charset="-122"/>
+              </a:rPr>
+              <a:t>“the”, “quick”, “brown”, “fox”</a:t>
+            </a:r>
+          </a:p>
+          <a:p>
+            <a:pPr algn="ctr"/>
+            <a:r>
+              <a:rPr lang="en-US" sz="2000" dirty="0" smtClean="0">
+                <a:latin typeface="SimHei" panose="02010609060101010101" pitchFamily="49" charset="-122"/>
+                <a:ea typeface="SimHei" panose="02010609060101010101" pitchFamily="49" charset="-122"/>
+              </a:rPr>
+              <a:t>(lowercase filter)</a:t>
+            </a:r>
+            <a:endParaRPr lang="en-US" sz="2000" dirty="0">
+              <a:latin typeface="SimHei" panose="02010609060101010101" pitchFamily="49" charset="-122"/>
+              <a:ea typeface="SimHei" panose="02010609060101010101" pitchFamily="49" charset="-122"/>
+            </a:endParaRPr>
+          </a:p>
+          <a:p>
+            <a:pPr algn="ctr"/>
+            <a:endParaRPr lang="en-US" sz="2400" dirty="0" smtClean="0">
+              <a:latin typeface="SimHei" panose="02010609060101010101" pitchFamily="49" charset="-122"/>
+              <a:ea typeface="SimHei" panose="02010609060101010101" pitchFamily="49" charset="-122"/>
+            </a:endParaRPr>
+          </a:p>
+          <a:p>
+            <a:pPr algn="ctr"/>
+            <a:endParaRPr lang="en-US" sz="2400" dirty="0" smtClean="0">
+              <a:latin typeface="SimHei" panose="02010609060101010101" pitchFamily="49" charset="-122"/>
+              <a:ea typeface="SimHei" panose="02010609060101010101" pitchFamily="49" charset="-122"/>
+            </a:endParaRPr>
+          </a:p>
+          <a:p>
+            <a:pPr algn="ctr"/>
+            <a:endParaRPr lang="en-US" sz="2400" dirty="0">
+              <a:latin typeface="SimHei" panose="02010609060101010101" pitchFamily="49" charset="-122"/>
+              <a:ea typeface="SimHei" panose="02010609060101010101" pitchFamily="49" charset="-122"/>
+            </a:endParaRPr>
+          </a:p>
+          <a:p>
+            <a:pPr algn="ctr"/>
+            <a:r>
+              <a:rPr lang="en-US" sz="2400" dirty="0" smtClean="0">
+                <a:latin typeface="SimHei" panose="02010609060101010101" pitchFamily="49" charset="-122"/>
+                <a:ea typeface="SimHei" panose="02010609060101010101" pitchFamily="49" charset="-122"/>
+              </a:rPr>
+              <a:t>“the”, “quick”, “brown”, “fox”</a:t>
+            </a:r>
+          </a:p>
+          <a:p>
+            <a:pPr algn="ctr"/>
+            <a:r>
+              <a:rPr lang="en-US" sz="2000" dirty="0" smtClean="0">
+                <a:latin typeface="SimHei" panose="02010609060101010101" pitchFamily="49" charset="-122"/>
+                <a:ea typeface="SimHei" panose="02010609060101010101" pitchFamily="49" charset="-122"/>
+              </a:rPr>
+              <a:t>(distinct terms)</a:t>
+            </a:r>
+            <a:endParaRPr lang="en-US" sz="2000" dirty="0">
+              <a:latin typeface="SimHei" panose="02010609060101010101" pitchFamily="49" charset="-122"/>
+              <a:ea typeface="SimHei" panose="02010609060101010101" pitchFamily="49" charset="-122"/>
+            </a:endParaRPr>
           </a:p>
         </p:txBody>
       </p:sp>
@@ -7032,43 +8420,6 @@
           <a:chExt cx="0" cy="0"/>
         </a:xfrm>
       </p:grpSpPr>
-      <p:sp>
-        <p:nvSpPr>
-          <p:cNvPr id="5" name="TextBox 4"/>
-          <p:cNvSpPr txBox="1"/>
-          <p:nvPr/>
-        </p:nvSpPr>
-        <p:spPr>
-          <a:xfrm>
-            <a:off x="57709" y="0"/>
-            <a:ext cx="12192000" cy="1015663"/>
-          </a:xfrm>
-          <a:prstGeom prst="rect">
-            <a:avLst/>
-          </a:prstGeom>
-          <a:noFill/>
-        </p:spPr>
-        <p:txBody>
-          <a:bodyPr wrap="square" rtlCol="0">
-            <a:spAutoFit/>
-          </a:bodyPr>
-          <a:lstStyle/>
-          <a:p>
-            <a:pPr algn="ctr"/>
-            <a:r>
-              <a:rPr lang="en-US" sz="6000" dirty="0" smtClean="0">
-                <a:latin typeface="SimHei" panose="02010609060101010101" pitchFamily="49" charset="-122"/>
-                <a:ea typeface="SimHei" panose="02010609060101010101" pitchFamily="49" charset="-122"/>
-              </a:rPr>
-              <a:t>sources</a:t>
-            </a:r>
-            <a:endParaRPr lang="en-US" sz="6000" dirty="0">
-              <a:latin typeface="SimHei" panose="02010609060101010101" pitchFamily="49" charset="-122"/>
-              <a:ea typeface="SimHei" panose="02010609060101010101" pitchFamily="49" charset="-122"/>
-            </a:endParaRPr>
-          </a:p>
-        </p:txBody>
-      </p:sp>
       <p:graphicFrame>
         <p:nvGraphicFramePr>
           <p:cNvPr id="7" name="Table 6"/>
@@ -7119,95 +8470,267 @@
       </p:graphicFrame>
       <p:sp>
         <p:nvSpPr>
-          <p:cNvPr id="2" name="AutoShape 2" descr="data:image/webp;base64,UklGRlwXAABXRUJQVlA4IFAXAACwhACdASr6AFoBPrFKm0amI6IUulaoZAsE8TddL3jXTyT3K8s+f/3XnU2r/P+nve3eYdA+fz/e+s/+w/6n2Ev7B0WPMj5q3/K/c74A/131D/6B6TP/g9p70bemm/uGR+Nd8G7EE3v29/t/GWw2nWcndoQHnPC3+8CUWHJkhxnFr4wZzJmSSklJCP3F0f1CqDmYnXCR2ajpJbZWW6lftWXQTmJ6N9KHv8O4lJ8B4yPM1XG63FIzOiszGSeVJTpoDo+l9VLAhjkNiyqYBjmSYZoeinTtXzGK5JXJJj0uyXtLBAQOzECTBUoq6vUyRAvR2oda+anNwsIQL6xmNuPCzFCzQqjpWkzhftj0qydNAqj2xBxj0pfggFE6vsObE2CcxBnXxIhCrYhEcFEmYWKK4iMnC6zOK9CeLKc+35uuHcauZl7YUmzTr5O9fg/cg1t0djY4QqoHk9dsWLQFHg6ZR22Z5VoFR72OqbyGWLBTxbLz2jx9ETxirMLZ2+ySTwx8cbZ68yrWvzWhBKPiCDgaMv83S263C8rRpnpfSbiugEW4ZsLJyUEdzLQD8+mGgO7rVpweyjEEykK5wYqJ8DZKETEIl66IQIPS4ob4KL7usZtHBI1fyHdeS8AjXT3RbMM4heVy08cYa76+N5nkmPGCtYlbYHVMajZwZjpJqzOsvZownVrrnhYUZWzeO+IBWAv/8f1fPAeOuONceJzkLefQ/WEM5UXE/3r+fso9yc8F35JspZtYUOJkq9ZH57m5CknpEeGkLQcd1urh121df5G5nEUl0FqIgRcKJtoTEIM1aeHp9vz0rYJsl6y+PGS+BMq3kZmoobAlcZa9G8N8s+ezdaucILw+xqremtvbEI4StufJrWBJF9hOIYOcz4nvkmOmG/bl/XgJNm3JbBWd4+fojQ8nyERcDwfQPq6J5+hhAUkmTjbLcVoZJJON0cuabuT+rYGGP73xx9OzrcyftTd92vwKLLEouGmg5A54moSVbptzwiOX1oTHniHVwS5EV5zKuVSgWEece8gu/OD/NZBLUD4ghewOHzrEnFro2GFs2LmyHZDzRfr2WZd93Df1BECtK8snREYRbSChRTQJYDNBtw1Irj7qBdO8E9s/1ZK71nmO92Yz0vsECe6/YnByvrX5pcbrC0SZsgVdxceft7H4I6clEuqygmrFHwBdVqeH49VAn4KE5Cfy6Qk2y9B/hhTVlHm3+D1jWmWtZA4JS9zixgmbg5qDr0NvbKgdk+AtR3YPZVeHGQXIF6hzVgzLnLkmqx8m59Nab7d3JV33/8KOpI0oKTgN9pkjnqfka4unv4V5fwcGo5dWSkXaMaEC6VXUPqMDcdbyDUnzX6iRNd0GxrZW+gC9GqBpazcDnhgVnDIVLEDbMl+ZJOifZLOQ04NYtduleI/Mtm9B6A5CAi3jwAD+tq+NPD2+WmwfvzCuhb2tByhUac/8pIL/WGD83YbSW32Z+Yq91C71DzM9NFNMgQkCwLmNlJTqN+XYlZRFFD3uad+5jwAV+DGcaHDFjOxEO4FMzfspSzQD0dFHCNGZDB+XmbopLzvtvgRixrXuewgwGF14CC2UCP84n5CQjDAKwFR9ydStugS96yERWEZFTzijKQsURbfncTIk7jyuHe2bX8KEkqcmH+XCsPedYJpQKX8XtvelLaE98XU4ls9qrMvH3KdU+T+1PrVyrTBVRcgf2NQxAfPMMDZf3IbBBCG02+YYFDGfKqRRix9WyBZ1hJmATIamcE5WJGM6QRweT3fqaz+brywLBRslKxcBuIZFlda1UltdJ38gLF++0JuwE2tY0kvI4znxd8pSngStjX8N3DBY1o1wNUNzPgFpTlfZ7kj2raqw19O1gUeViKpMzbHXMPonLj0CaUHfw5KKK+rZFFme/++P1qp99TusX5IoAX41xN5KZtTokYhzSibtNIlEDkjcjCj9gf5PHlpshgFtXuMB3ApGbZo/di8hrBdPcJdkuqEqJAkGVCRY2tF7As9CDYADcJCT86s9FzLDV2h421rRWDRaZP2q9inPBGe7WI5UWCGeUHI8+4bsX4jVNMkzGVPfEgEy+gJ1Dk7+BC18tJMRnylGkBUZslih8+876iL1zpcuRaV5c0aiOsSLlXm/8spjtnDUJpbiN2T2sqotszk0ysBA2qzo9NxaEn3vgB/H2w6XH/0mE40fj4KJF/Ch2dd/uZxOElHb1/ECpxE9tBl654MsxbwxTe66/Db4Da9tBqCzYxMOEavgS09bqSa4l0u2Otnj+1mholpTQxHTAeM/d9B4cQgMBcg40KPUYI291G+stv9AEw8HTgtyXZ102GUhWx1uYnx/52KJxFRoAmpplZcmQ9jwVspsnoz9H3TYlIAhG+DoE0be+j9ymciGuaO7UmC/yEBG6KhmlGGYM2/8PR1KPZLdgAwWPrQjAMHT48zM7qH/mV3t5QOQRyIJhR92kjte5QuAv4Hpa/iaDGxuyla1FBrnwB4mqWOQp1PcbRXMeStUoOmi99NU1pGX3XvdftP8nA+4cugssb1YQDGm07m8w71kbLVeWEAbxqpe8KoD4mVQr7Qr5ICP5ogsnEgkPDb4yX4T2xiT+Z9r6Z2WWnzUTv3pCN4pzg2hb71vKoW6GoMerDIAvTWMlV3M2KGIWgedm6rbfscoyDFuGpg78ZlshFpyWAXk23+VEPiJAZHDl07ES1f1TDcaNOXalHc/BjpI3FKZPD/APqGSXpwmHn+XvVrEv26zHH2X1Kv21ABolxexgkd/zZDszHH8WtaDnVKvQCd/X1c8ADjr1eWmjgMdJOg5grG1k6J29PhZsXsm2OquExLIRxK6MYpT/WfWwvj4drQHKitOvHBhT4fMIkWrFXFT62DZ2bS3M/zOyqu3qVXwSqRVR7j4nh5JFYvHjI1RzmnZ6sh69ONqZbV2Zfz8JYJZLJBQQn7/6aAlEeztNCG18GjzEsHnf2IzjBQyThDK8QRCiysndI3ROyJNhz4a5+NQy8Pj688IuXWWEL4ERLyv4WNUDSHQSbHuLPSbpCDMjfRXUC0CA8CgY397WhmJj3x9au8PQDssQkyg4Zxyj16Oufw4ngKhIVlujk56kGd2Uoh6jGNtdHNskkcIQjCVRmrNLVSZ/UJ6d0ipT/D8wwoqzerogVijarFF2QJ7La2l59uie3MbLfio6zbbRK/ba4E+BFlAGc1PgoMUqQuCtlt8trGYv3A29jqdONLVnv6tYvld3sw9UCYcCGuwpVFa++8se6QSHA/JmZNal/Ley4UdbXBqrxA6u9JXzwLGCM+72XBL9eHFBKfT9RINHb/J8FMJYiPyePb0+WUjyxmXstzWmm+bm7K7LF3AOOVnD0zbrSVM1CgdjgVzlqjRioZ/Nzc9uNNEx3UQH7sAkm9bS2Dbh3kuLYpZ4lIgJMOzEllZzL55c1/y/RimW6MJET657rT13STom/gqRf8aDWhXB08eshhshx9WuodKNiU2iqtQXRrrzrD+k20++rvX2nIuNYt/1XSm9zAOt/osVU5tGw23XwWAi+eguiO2uBF3whMVVzQAgRqvw4hbvWb2YNvTNpMZeAyTWh7o97LEh8LCLXbz3ddeA3mFMlD8oMBmmcZyRbQzR4HA9CCUWNguaFHW/nOBN0zbE4Hd66PSrG79qK2zM94cf9DLIfeI37AIMsKmNEPuiXLZKn9PZbXeSu5b7kUEwDjJML6L81UKg5vAHyYvS3q3kENYsU8g2ux1I1lKTOm70KqAnzzkrW9hoFrWaEuz6vi43JtRd9FrUVmwC7x2QyHXn4efch614Sz7HIqQ53RwOsY0EO9izVfxNE4bkR59gmpEK4lvDbo9L+tVf8gcZg4PH/LrBRztU7vYmI/5/j/Gh5baWwjPHNtlfT2MDH7EsBGvI7hk92MPOV6Q06jMqi0B7Nz0J5dIlUW6T1sx7J3QE7uok3tznooDfdnEZfNucB/eoj0AM5JTcFDbco9tIQtGPDMfwK1VxNjf/DR26GfwZduTNx3E8r2H0jJkLCvjr5EcAS4azPHIWtYz4/NgOhXFmZCb6VJ5tQNx2dEJXyxIEuKmyD8Y+QnenSewGkxic4BTZvArqySKM/M8VcHOvXu+LFqQj+CyPLm023WEaWZuCpvrihDAPrTo5OkUXFI6hlkQ/UEF12SqvvFDRQEduAQvd4lXNGbfiRHA1fgduU1AsJMXiNbcMI7iW6j74M/2a3eHkCs9XxJdMPBkkOLSpTYd8rFYDZVdzzTtl1EIr6CALFGslEZytk0k9xe4VX5bQweYpTvElu6tnJ07W7TER7ptk+AnJmMYF/FQpCCo32KydcuhOjF3LpVqtILu1nAgq95oByRui9htOiXN1esvVQvkjuOMQryV9Z+EI01MSjwU+cyXZJi3xtsbWH/cbVNDwhQTcx6uPSYAhnkgB4V5V7QI+m1uJqrnOOsn3umUWZdYzjyGOJesk1jJqBPbgVScfg85flxQCwvcLaHhPXhnPNle2tqg+xSBsJcUJp8oskwHXrQIVanKyulBwX1UTfrgXyrLfKoCwafUGj3CYLwfETboUeGRc2jhiv60ZHoA0Hja1v67j/CMT13YDaKdcPIWpXvXkq/bSDzjo6dYRXgIACPCYus7qUVSWx2pq/CGjooxMlf7EhtV/XNkr+tVFxrDEUWMAMOsBaNCaWbvQ5a3JjAs0CqGHQcb2IEce2U2hXptQH0LCxWlUwdPjrKzaDj+RuiGP6rnQoPFYWhJ3XeKUAGJjz93y023J4t4dEwywbSyOGsPmip5xO4hwPOIA707GpC7YxbLPpVovVC4Ej5Lhig8CmQ2mUsaQAUAEb5xYuNDAEFNABXway+ZDQPJCigdlGqqxl/cqf5Q9VpD2pGaDk37y+Zhfz8kigrj3C7uzaLb7FQTXOjDN8jexckM76eP34Iysn9ZJQKvY8oEzg/qBiCbTW1J+ibPd9P5IfEn4zetMhmSu8FQXZNerFfga8+bAUqYdWlyEawGvYDYQrpjKflTXnBvsvw9DTQ3x16GGSB8LxoYZ3wi0ypxQsMm+HipPTFa87p4Bkrsug8ROp6L9UQDow+FrtCCvfIg2YDSTqdONrXOMMG8JlbwvbgH2/tHdU9x0dAbTxUW08w2r45sZP4O+Eodg0UW2DPF+FJWHBLZXd33SOWgR3UysNBaa/aqwaZ5Qhb6IzFOlDyV2Tfl0X9rvEMNHB3nybeUzcYmdjyEcxGe8gmIWI8uSmvpOOpjfji3Cf/lf9RGQGb9KeApmiihdPalhxLlHcmC7Iefx3te5/YlQHcaqbDGMnjMQBvSIPfz0oA5TlyERtwwBdircNRYvFzB5mM7SCR+PRqLmF5JrrpEteXjka9EdvawXpq12fJo/g+5Xn7nQ2lEuXTHbs6Y208m9hKpKKse3MkXUoM9iLgewy22uedgnmjkRGr6DU62xpCPdYwkZ92R4bTiyvif/FgdK1WbueSMjIpzlEe3Uez3v9RNDw2gwQuqPj7RoA+7fVWJrpYpH82nL1kV021eSEpoCbVTRVrOsqMziqQAKU+nEtsePo/EH0l0W5vK193L3XT3g+GWJ9SJtjUXTbJkk0IOyj+1jGl6jBy3JPyRUykcJPbahZp8GDF/w9f+Hap6iOQFMBA02ynCblN9UnUiy1AEfhMQ0piUg/GaL1qNLIx8+HyZpUzHjz5/8G+G3+ePvTgaDDsYsoe2QWcFDyVE0OjpuQrP+eo4QCp9o3TYUZBzaFizGCZ1ipBsBKwUqygKOVFP+9QPmDc5XJTDuDQeTE9lO6scXFuzz73HYbOuKtIQOX1wpkEX6QfRLXQa3Ro29Bl9xl1OUsH0SIWqgDPan563yfLrizXHY/sn/uqRUULp9izHaySOhpWEi+9fyPCAkGbd2eUL7WklO107lAm2FA4F6eAqounhewDwwOnAeeiv5ovtnzTlnBMx3GvlX+E9ZLF6NKUXGM27WfxuAhbyxyyk6sphSBg1sA8jhyHyYU4/C0WegXNOLaWTWm6kOyu8PMbrcMrHXWye7dRqdBp9F/5U08hsbCxuHbM0mQo0qA9QD1mItYTP11DN53y3yIT54Ibcv2v0/CT6EAuuPILosMUEtUP25sP8qxKHd+S7fwE2ao8Kah96C9FgbXWfC5zk+yHMQ3oMX075mciTVu+Pc6vc/TRhxokkHIHjbJL2Zsj4urKxQ7QfSDrr3PhBsa0GXvhKB/1aOh34dqiXdKMxCOqv/oA6dfFKBuSusql7z6V7DdiGM+8XXYQ0jfSDkDEJq2kyeU8xUa73/xgJT3NjonezIl7YeEbHZMq/gcbL91UlGwImenlVum0vQpBSgjxdOt+6OkxtA0ZvR+PAnQPlidEU485kr3V/gxMdvG3HqyrautqZyMrBPudWZTd+JqIQs6+cUNNcTY9b58tzNQlCqgjhX8c/HeiqLgK7j4VpP9psj7Sg+LcfXIgsD1CzKAkQ/BlP5eVFcxh2hJs2El7Sv/ZsJkFzh6L0jaIIVzDXYHvLpRGuGGTsZMfTAL4bjBAJmphScn280+1GWw253B7KGAD4at1hSle/YHyJ7Aa2fFuIe/SwsCU3FnN4NJa13jF3DtdBTSg/zNqHV2fJB29XB/JAQkH8JwkNi0SL4TSUFrFd4crwqcQn2EgEYP3Qaw8yHn69a3Zvy9esljgBBF+InX4/pnUOQeNtiVczEr48QAcWP6BEb6XTMX9WDE4TeHhTyZGsRj57/Kppn0mLLju620z1v55uVgxmoX7/vk9tIYfkmNWBDV/90YFtEu4aAnPtUM3esOQCRLGv7nZDSaTy5fSd4zuaq9ZKZYIsgXCOfdezRQJnYC0Utm2Iruwjv+TPigKQZv74nmBtgJHeUy1GC+diIeEhu7VCqwsNHD4IQkLYiu+MhzdMmJNQXnMpkaseGRI1l6JyesibAG9OeQbQOtnTjAoGLTwwoYc6CF5VUAwozAhyVzEq1blfwkM+8s0BNdUVzl8mYHKs15x2XWYYFl5XRRjs7xe3nSogFL5kWQeheCF37nfuvRWD19wJAlHJPT+wwFt8gQfgdEzniSns/EHkVaqlO3nnJbMg/DEb/yVMTcOrIt74+p7omsMogv5RaFA9y3KrMFW4erRlU+KftZ2PNtL689xwC/lv7UlH2WCovG9B/2s+D5rx1UE9pmD0a3eYpppdFDoEjJcmDiwdUsmLR/FoUc3028l1bwoWsZf1sP5LBCeadWFt0L3BcG8RJO5xXz4BIuvQ9xc/91uPdmMTV8S/cNEn2zwg8miBX30ZJnI5FwWbLpF4IoyE7Ss419AbK4ns8Ul8Ow5CRbwVnNL3ZxZU6R4M+YACqQkoqe2HQTVMULXWFRm0R8sOcd4CWm78+C1zQAserusIke3nRE1LP8QhVIcX+013BxYfNvWvS2ZgyZPY15weBYCwhkuWviPUZEV34ZDoqfzkZ0EN8TttlHmlh5PCmczpF38Cv3RNxL1Xp3L6IALrLr2bi2sux8lfGEHhcD7vytidqnEc+1XCY4U9/pvtyU05/TFiUYSYorh10J0WrXHRp8aoZcKFUmLnhwSPbcdaNU5HBo1mE1yVtHHRueL3CeerC6gc3eUL/v3U0/Zf78qt1CvOIqrZ3y1FzJMLM+PKQ+A2lqA+RpLp3o+fBr2mlrFcFTGrj/lRvtgovXEeik8E5E5T+Nm75/q1fmhdKo50J4VqmqJtkio0BK0fHHZ1DKZmajcR1XIDI76cXBi5ijf/zUk68pzHq2u36vRvvzfQbxU1v/caKVzhWwR/jesLK9tCSHQ5I4IAntPAfzA07K3t92cI/nJCUy4LJJdJYmFKVbY6NUEP5FRW1iuBaqoll6uRTRVQ60/XjuiTDsYDiiQKkeKQa9laTHxFj9IZBKcy8VT4n4Xvt334VOBitBJ+KnOx9laHjNWPjkv6HF/jgSUydtIDu8cARiWPyALbL+N8Bb/su+4+iUUAAAAA"/>
-          <p:cNvSpPr>
-            <a:spLocks noChangeAspect="1" noChangeArrowheads="1"/>
-          </p:cNvSpPr>
+          <p:cNvPr id="36" name="TextBox 35"/>
+          <p:cNvSpPr txBox="1"/>
           <p:nvPr/>
         </p:nvSpPr>
-        <p:spPr bwMode="auto">
+        <p:spPr>
           <a:xfrm>
-            <a:off x="155575" y="-144463"/>
-            <a:ext cx="304800" cy="304801"/>
+            <a:off x="0" y="0"/>
+            <a:ext cx="6724918" cy="1015663"/>
           </a:xfrm>
           <a:prstGeom prst="rect">
             <a:avLst/>
           </a:prstGeom>
           <a:noFill/>
-          <a:extLst>
-            <a:ext uri="{909E8E84-426E-40DD-AFC4-6F175D3DCCD1}">
-              <a14:hiddenFill xmlns:a14="http://schemas.microsoft.com/office/drawing/2010/main">
-                <a:solidFill>
-                  <a:srgbClr val="FFFFFF"/>
-                </a:solidFill>
-              </a14:hiddenFill>
-            </a:ext>
-          </a:extLst>
         </p:spPr>
         <p:txBody>
-          <a:bodyPr vert="horz" wrap="square" lIns="91440" tIns="45720" rIns="91440" bIns="45720" numCol="1" anchor="t" anchorCtr="0" compatLnSpc="1">
-            <a:prstTxWarp prst="textNoShape">
-              <a:avLst/>
-            </a:prstTxWarp>
+          <a:bodyPr wrap="none" rtlCol="0">
+            <a:spAutoFit/>
           </a:bodyPr>
           <a:lstStyle/>
           <a:p>
-            <a:endParaRPr lang="en-US"/>
-          </a:p>
-        </p:txBody>
-      </p:sp>
-      <p:pic>
-        <p:nvPicPr>
-          <p:cNvPr id="4" name="Picture 3"/>
-          <p:cNvPicPr>
-            <a:picLocks noChangeAspect="1"/>
-          </p:cNvPicPr>
+            <a:r>
+              <a:rPr lang="en-US" sz="6000" dirty="0">
+                <a:latin typeface="SimHei" panose="02010609060101010101" pitchFamily="49" charset="-122"/>
+                <a:ea typeface="SimHei" panose="02010609060101010101" pitchFamily="49" charset="-122"/>
+              </a:rPr>
+              <a:t>s</a:t>
+            </a:r>
+            <a:r>
+              <a:rPr lang="en-US" sz="6000" dirty="0" smtClean="0">
+                <a:latin typeface="SimHei" panose="02010609060101010101" pitchFamily="49" charset="-122"/>
+                <a:ea typeface="SimHei" panose="02010609060101010101" pitchFamily="49" charset="-122"/>
+              </a:rPr>
+              <a:t>tandard analyzer</a:t>
+            </a:r>
+            <a:endParaRPr lang="en-US" sz="6000" dirty="0">
+              <a:latin typeface="SimHei" panose="02010609060101010101" pitchFamily="49" charset="-122"/>
+              <a:ea typeface="SimHei" panose="02010609060101010101" pitchFamily="49" charset="-122"/>
+            </a:endParaRPr>
+          </a:p>
+        </p:txBody>
+      </p:sp>
+      <p:sp>
+        <p:nvSpPr>
+          <p:cNvPr id="2" name="Rectangle 1"/>
+          <p:cNvSpPr/>
           <p:nvPr/>
-        </p:nvPicPr>
-        <p:blipFill>
-          <a:blip r:embed="rId3"/>
-          <a:stretch>
-            <a:fillRect/>
-          </a:stretch>
-        </p:blipFill>
+        </p:nvSpPr>
         <p:spPr>
           <a:xfrm>
-            <a:off x="2131695" y="1783080"/>
-            <a:ext cx="2381250" cy="3295650"/>
+            <a:off x="89452" y="1197619"/>
+            <a:ext cx="12102548" cy="5509200"/>
           </a:xfrm>
           <a:prstGeom prst="rect">
             <a:avLst/>
           </a:prstGeom>
         </p:spPr>
-      </p:pic>
-      <p:pic>
-        <p:nvPicPr>
-          <p:cNvPr id="8" name="Picture 7"/>
-          <p:cNvPicPr>
-            <a:picLocks noChangeAspect="1"/>
-          </p:cNvPicPr>
-          <p:nvPr/>
-        </p:nvPicPr>
-        <p:blipFill>
-          <a:blip r:embed="rId4"/>
-          <a:stretch>
-            <a:fillRect/>
-          </a:stretch>
-        </p:blipFill>
-        <p:spPr>
-          <a:xfrm>
-            <a:off x="7646670" y="1783080"/>
-            <a:ext cx="2476500" cy="3248025"/>
-          </a:xfrm>
-          <a:prstGeom prst="rect">
-            <a:avLst/>
-          </a:prstGeom>
-        </p:spPr>
-      </p:pic>
+        <p:txBody>
+          <a:bodyPr wrap="square">
+            <a:spAutoFit/>
+          </a:bodyPr>
+          <a:lstStyle/>
+          <a:p>
+            <a:pPr algn="ctr"/>
+            <a:r>
+              <a:rPr lang="en-US" sz="2400" dirty="0">
+                <a:latin typeface="SimHei" panose="02010609060101010101" pitchFamily="49" charset="-122"/>
+                <a:ea typeface="SimHei" panose="02010609060101010101" pitchFamily="49" charset="-122"/>
+              </a:rPr>
+              <a:t>“The quick brown </a:t>
+            </a:r>
+            <a:r>
+              <a:rPr lang="en-US" sz="2400" dirty="0" smtClean="0">
+                <a:latin typeface="SimHei" panose="02010609060101010101" pitchFamily="49" charset="-122"/>
+                <a:ea typeface="SimHei" panose="02010609060101010101" pitchFamily="49" charset="-122"/>
+              </a:rPr>
+              <a:t>fox.”</a:t>
+            </a:r>
+            <a:endParaRPr lang="en-US" sz="2400" dirty="0">
+              <a:latin typeface="SimHei" panose="02010609060101010101" pitchFamily="49" charset="-122"/>
+              <a:ea typeface="SimHei" panose="02010609060101010101" pitchFamily="49" charset="-122"/>
+            </a:endParaRPr>
+          </a:p>
+          <a:p>
+            <a:pPr algn="ctr"/>
+            <a:endParaRPr lang="en-US" sz="2400" dirty="0">
+              <a:latin typeface="SimHei" panose="02010609060101010101" pitchFamily="49" charset="-122"/>
+              <a:ea typeface="SimHei" panose="02010609060101010101" pitchFamily="49" charset="-122"/>
+            </a:endParaRPr>
+          </a:p>
+          <a:p>
+            <a:pPr algn="ctr"/>
+            <a:endParaRPr lang="en-US" sz="2400" dirty="0">
+              <a:latin typeface="SimHei" panose="02010609060101010101" pitchFamily="49" charset="-122"/>
+              <a:ea typeface="SimHei" panose="02010609060101010101" pitchFamily="49" charset="-122"/>
+            </a:endParaRPr>
+          </a:p>
+          <a:p>
+            <a:pPr algn="ctr"/>
+            <a:endParaRPr lang="en-US" sz="2400" dirty="0">
+              <a:latin typeface="SimHei" panose="02010609060101010101" pitchFamily="49" charset="-122"/>
+              <a:ea typeface="SimHei" panose="02010609060101010101" pitchFamily="49" charset="-122"/>
+            </a:endParaRPr>
+          </a:p>
+          <a:p>
+            <a:pPr algn="ctr"/>
+            <a:r>
+              <a:rPr lang="en-US" sz="2400" dirty="0">
+                <a:latin typeface="SimHei" panose="02010609060101010101" pitchFamily="49" charset="-122"/>
+                <a:ea typeface="SimHei" panose="02010609060101010101" pitchFamily="49" charset="-122"/>
+              </a:rPr>
+              <a:t>“</a:t>
+            </a:r>
+            <a:r>
+              <a:rPr lang="en-US" sz="2400" dirty="0" err="1">
+                <a:latin typeface="SimHei" panose="02010609060101010101" pitchFamily="49" charset="-122"/>
+                <a:ea typeface="SimHei" panose="02010609060101010101" pitchFamily="49" charset="-122"/>
+              </a:rPr>
+              <a:t>The”,“quick”,“brown”,“fox</a:t>
+            </a:r>
+            <a:r>
+              <a:rPr lang="en-US" sz="2400" dirty="0">
+                <a:latin typeface="SimHei" panose="02010609060101010101" pitchFamily="49" charset="-122"/>
+                <a:ea typeface="SimHei" panose="02010609060101010101" pitchFamily="49" charset="-122"/>
+              </a:rPr>
+              <a:t>”</a:t>
+            </a:r>
+          </a:p>
+          <a:p>
+            <a:pPr algn="ctr"/>
+            <a:r>
+              <a:rPr lang="en-US" sz="2400" dirty="0" smtClean="0">
+                <a:latin typeface="SimHei" panose="02010609060101010101" pitchFamily="49" charset="-122"/>
+                <a:ea typeface="SimHei" panose="02010609060101010101" pitchFamily="49" charset="-122"/>
+              </a:rPr>
+              <a:t>(standard </a:t>
+            </a:r>
+            <a:r>
+              <a:rPr lang="en-US" sz="2400" dirty="0" err="1" smtClean="0">
+                <a:latin typeface="SimHei" panose="02010609060101010101" pitchFamily="49" charset="-122"/>
+                <a:ea typeface="SimHei" panose="02010609060101010101" pitchFamily="49" charset="-122"/>
+              </a:rPr>
+              <a:t>tokenizer</a:t>
+            </a:r>
+            <a:r>
+              <a:rPr lang="en-US" sz="2400" dirty="0">
+                <a:latin typeface="SimHei" panose="02010609060101010101" pitchFamily="49" charset="-122"/>
+                <a:ea typeface="SimHei" panose="02010609060101010101" pitchFamily="49" charset="-122"/>
+              </a:rPr>
+              <a:t>)</a:t>
+            </a:r>
+          </a:p>
+          <a:p>
+            <a:pPr algn="ctr"/>
+            <a:endParaRPr lang="en-US" sz="2400" dirty="0">
+              <a:latin typeface="SimHei" panose="02010609060101010101" pitchFamily="49" charset="-122"/>
+              <a:ea typeface="SimHei" panose="02010609060101010101" pitchFamily="49" charset="-122"/>
+            </a:endParaRPr>
+          </a:p>
+          <a:p>
+            <a:pPr algn="ctr"/>
+            <a:endParaRPr lang="en-US" sz="2400" dirty="0">
+              <a:latin typeface="SimHei" panose="02010609060101010101" pitchFamily="49" charset="-122"/>
+              <a:ea typeface="SimHei" panose="02010609060101010101" pitchFamily="49" charset="-122"/>
+            </a:endParaRPr>
+          </a:p>
+          <a:p>
+            <a:pPr algn="ctr"/>
+            <a:endParaRPr lang="en-US" sz="2400" dirty="0">
+              <a:latin typeface="SimHei" panose="02010609060101010101" pitchFamily="49" charset="-122"/>
+              <a:ea typeface="SimHei" panose="02010609060101010101" pitchFamily="49" charset="-122"/>
+            </a:endParaRPr>
+          </a:p>
+          <a:p>
+            <a:pPr algn="ctr"/>
+            <a:r>
+              <a:rPr lang="en-US" sz="2400" dirty="0" smtClean="0">
+                <a:latin typeface="SimHei" panose="02010609060101010101" pitchFamily="49" charset="-122"/>
+                <a:ea typeface="SimHei" panose="02010609060101010101" pitchFamily="49" charset="-122"/>
+              </a:rPr>
+              <a:t>“quick</a:t>
+            </a:r>
+            <a:r>
+              <a:rPr lang="en-US" sz="2400" dirty="0">
+                <a:latin typeface="SimHei" panose="02010609060101010101" pitchFamily="49" charset="-122"/>
+                <a:ea typeface="SimHei" panose="02010609060101010101" pitchFamily="49" charset="-122"/>
+              </a:rPr>
+              <a:t>”, “brown”, “fox”</a:t>
+            </a:r>
+          </a:p>
+          <a:p>
+            <a:pPr algn="ctr"/>
+            <a:r>
+              <a:rPr lang="en-US" sz="2000" dirty="0">
+                <a:latin typeface="SimHei" panose="02010609060101010101" pitchFamily="49" charset="-122"/>
+                <a:ea typeface="SimHei" panose="02010609060101010101" pitchFamily="49" charset="-122"/>
+              </a:rPr>
+              <a:t>(lowercase </a:t>
+            </a:r>
+            <a:r>
+              <a:rPr lang="en-US" sz="2000" dirty="0" smtClean="0">
+                <a:latin typeface="SimHei" panose="02010609060101010101" pitchFamily="49" charset="-122"/>
+                <a:ea typeface="SimHei" panose="02010609060101010101" pitchFamily="49" charset="-122"/>
+              </a:rPr>
+              <a:t>filter, stop word filter)</a:t>
+            </a:r>
+            <a:endParaRPr lang="en-US" sz="2000" dirty="0">
+              <a:latin typeface="SimHei" panose="02010609060101010101" pitchFamily="49" charset="-122"/>
+              <a:ea typeface="SimHei" panose="02010609060101010101" pitchFamily="49" charset="-122"/>
+            </a:endParaRPr>
+          </a:p>
+          <a:p>
+            <a:pPr algn="ctr"/>
+            <a:endParaRPr lang="en-US" sz="2400" dirty="0">
+              <a:latin typeface="SimHei" panose="02010609060101010101" pitchFamily="49" charset="-122"/>
+              <a:ea typeface="SimHei" panose="02010609060101010101" pitchFamily="49" charset="-122"/>
+            </a:endParaRPr>
+          </a:p>
+          <a:p>
+            <a:pPr algn="ctr"/>
+            <a:endParaRPr lang="en-US" sz="2400" dirty="0">
+              <a:latin typeface="SimHei" panose="02010609060101010101" pitchFamily="49" charset="-122"/>
+              <a:ea typeface="SimHei" panose="02010609060101010101" pitchFamily="49" charset="-122"/>
+            </a:endParaRPr>
+          </a:p>
+          <a:p>
+            <a:pPr algn="ctr"/>
+            <a:r>
+              <a:rPr lang="en-US" sz="2400" dirty="0" smtClean="0">
+                <a:latin typeface="SimHei" panose="02010609060101010101" pitchFamily="49" charset="-122"/>
+                <a:ea typeface="SimHei" panose="02010609060101010101" pitchFamily="49" charset="-122"/>
+              </a:rPr>
+              <a:t>“quick</a:t>
+            </a:r>
+            <a:r>
+              <a:rPr lang="en-US" sz="2400" dirty="0">
+                <a:latin typeface="SimHei" panose="02010609060101010101" pitchFamily="49" charset="-122"/>
+                <a:ea typeface="SimHei" panose="02010609060101010101" pitchFamily="49" charset="-122"/>
+              </a:rPr>
+              <a:t>”, “brown”, “fox”</a:t>
+            </a:r>
+          </a:p>
+          <a:p>
+            <a:pPr algn="ctr"/>
+            <a:r>
+              <a:rPr lang="en-US" sz="2000" dirty="0">
+                <a:latin typeface="SimHei" panose="02010609060101010101" pitchFamily="49" charset="-122"/>
+                <a:ea typeface="SimHei" panose="02010609060101010101" pitchFamily="49" charset="-122"/>
+              </a:rPr>
+              <a:t>(distinct terms)</a:t>
+            </a:r>
+            <a:endParaRPr lang="en-US" sz="2000" dirty="0">
+              <a:latin typeface="SimHei" panose="02010609060101010101" pitchFamily="49" charset="-122"/>
+              <a:ea typeface="SimHei" panose="02010609060101010101" pitchFamily="49" charset="-122"/>
+            </a:endParaRPr>
+          </a:p>
+        </p:txBody>
+      </p:sp>
     </p:spTree>
     <p:extLst>
       <p:ext uri="{BB962C8B-B14F-4D97-AF65-F5344CB8AC3E}">
-        <p14:creationId xmlns:p14="http://schemas.microsoft.com/office/powerpoint/2010/main" val="2375592576"/>
+        <p14:creationId xmlns:p14="http://schemas.microsoft.com/office/powerpoint/2010/main" val="3224516195"/>
       </p:ext>
     </p:extLst>
   </p:cSld>
@@ -7241,16 +8764,64 @@
           <a:chExt cx="0" cy="0"/>
         </a:xfrm>
       </p:grpSpPr>
-      <p:sp>
-        <p:nvSpPr>
-          <p:cNvPr id="3" name="TextBox 2"/>
+      <p:graphicFrame>
+        <p:nvGraphicFramePr>
+          <p:cNvPr id="7" name="Table 6"/>
+          <p:cNvGraphicFramePr>
+            <a:graphicFrameLocks noGrp="1"/>
+          </p:cNvGraphicFramePr>
+          <p:nvPr/>
+        </p:nvGraphicFramePr>
+        <p:xfrm>
+          <a:off x="1082040" y="731520"/>
+          <a:ext cx="1097280" cy="365760"/>
+        </p:xfrm>
+        <a:graphic>
+          <a:graphicData uri="http://schemas.openxmlformats.org/drawingml/2006/table">
+            <a:tbl>
+              <a:tblPr/>
+              <a:tblGrid>
+                <a:gridCol w="1097280"/>
+              </a:tblGrid>
+              <a:tr h="320040">
+                <a:tc>
+                  <a:txBody>
+                    <a:bodyPr/>
+                    <a:lstStyle/>
+                    <a:p>
+                      <a:endParaRPr lang="en-US" dirty="0"/>
+                    </a:p>
+                  </a:txBody>
+                  <a:tcPr>
+                    <a:lnL>
+                      <a:noFill/>
+                    </a:lnL>
+                    <a:lnR>
+                      <a:noFill/>
+                    </a:lnR>
+                    <a:lnT>
+                      <a:noFill/>
+                    </a:lnT>
+                    <a:lnB>
+                      <a:noFill/>
+                    </a:lnB>
+                  </a:tcPr>
+                </a:tc>
+              </a:tr>
+            </a:tbl>
+          </a:graphicData>
+        </a:graphic>
+      </p:graphicFrame>
+      <p:sp>
+        <p:nvSpPr>
+          <p:cNvPr id="36" name="TextBox 35"/>
           <p:cNvSpPr txBox="1"/>
           <p:nvPr/>
         </p:nvSpPr>
         <p:spPr>
           <a:xfrm>
-            <a:off x="5623560" y="2057400"/>
-            <a:ext cx="800219" cy="1569660"/>
+            <a:off x="0" y="0"/>
+            <a:ext cx="4031873" cy="1015663"/>
           </a:xfrm>
           <a:prstGeom prst="rect">
             <a:avLst/>
@@ -7264,23 +8835,609 @@
           <a:lstStyle/>
           <a:p>
             <a:r>
-              <a:rPr lang="en-US" sz="9600" dirty="0" smtClean="0">
-                <a:latin typeface="SimHei" panose="02010609060101010101" pitchFamily="49" charset="-122"/>
-                <a:ea typeface="SimHei" panose="02010609060101010101" pitchFamily="49" charset="-122"/>
-              </a:rPr>
-              <a:t>?</a:t>
-            </a:r>
-            <a:endParaRPr lang="en-US" sz="9600" dirty="0">
+              <a:rPr lang="en-US" sz="6000" dirty="0">
+                <a:latin typeface="SimHei" panose="02010609060101010101" pitchFamily="49" charset="-122"/>
+                <a:ea typeface="SimHei" panose="02010609060101010101" pitchFamily="49" charset="-122"/>
+              </a:rPr>
+              <a:t>s</a:t>
+            </a:r>
+            <a:r>
+              <a:rPr lang="en-US" sz="6000" dirty="0" smtClean="0">
+                <a:latin typeface="SimHei" panose="02010609060101010101" pitchFamily="49" charset="-122"/>
+                <a:ea typeface="SimHei" panose="02010609060101010101" pitchFamily="49" charset="-122"/>
+              </a:rPr>
+              <a:t>top words</a:t>
+            </a:r>
+            <a:endParaRPr lang="en-US" sz="6000" dirty="0">
               <a:latin typeface="SimHei" panose="02010609060101010101" pitchFamily="49" charset="-122"/>
               <a:ea typeface="SimHei" panose="02010609060101010101" pitchFamily="49" charset="-122"/>
             </a:endParaRPr>
           </a:p>
         </p:txBody>
       </p:sp>
+      <p:pic>
+        <p:nvPicPr>
+          <p:cNvPr id="3" name="Picture 2"/>
+          <p:cNvPicPr>
+            <a:picLocks noChangeAspect="1"/>
+          </p:cNvPicPr>
+          <p:nvPr/>
+        </p:nvPicPr>
+        <p:blipFill>
+          <a:blip r:embed="rId3"/>
+          <a:stretch>
+            <a:fillRect/>
+          </a:stretch>
+        </p:blipFill>
+        <p:spPr>
+          <a:xfrm>
+            <a:off x="563631" y="1437032"/>
+            <a:ext cx="3829050" cy="4381500"/>
+          </a:xfrm>
+          <a:prstGeom prst="rect">
+            <a:avLst/>
+          </a:prstGeom>
+        </p:spPr>
+      </p:pic>
+      <p:sp>
+        <p:nvSpPr>
+          <p:cNvPr id="18" name="Rectangle 17"/>
+          <p:cNvSpPr/>
+          <p:nvPr/>
+        </p:nvSpPr>
+        <p:spPr>
+          <a:xfrm>
+            <a:off x="4548808" y="1437032"/>
+            <a:ext cx="7643192" cy="4401205"/>
+          </a:xfrm>
+          <a:prstGeom prst="rect">
+            <a:avLst/>
+          </a:prstGeom>
+        </p:spPr>
+        <p:txBody>
+          <a:bodyPr wrap="square">
+            <a:spAutoFit/>
+          </a:bodyPr>
+          <a:lstStyle/>
+          <a:p>
+            <a:pPr algn="ctr"/>
+            <a:r>
+              <a:rPr lang="en-US" sz="4000" dirty="0" smtClean="0">
+                <a:latin typeface="SimHei" panose="02010609060101010101" pitchFamily="49" charset="-122"/>
+                <a:ea typeface="SimHei" panose="02010609060101010101" pitchFamily="49" charset="-122"/>
+              </a:rPr>
+              <a:t>“to stop or not to stop?”</a:t>
+            </a:r>
+          </a:p>
+          <a:p>
+            <a:pPr algn="ctr"/>
+            <a:endParaRPr lang="en-US" sz="4000" dirty="0">
+              <a:latin typeface="SimHei" panose="02010609060101010101" pitchFamily="49" charset="-122"/>
+              <a:ea typeface="SimHei" panose="02010609060101010101" pitchFamily="49" charset="-122"/>
+            </a:endParaRPr>
+          </a:p>
+          <a:p>
+            <a:pPr algn="ctr"/>
+            <a:endParaRPr lang="en-US" sz="4000" dirty="0" smtClean="0">
+              <a:latin typeface="SimHei" panose="02010609060101010101" pitchFamily="49" charset="-122"/>
+              <a:ea typeface="SimHei" panose="02010609060101010101" pitchFamily="49" charset="-122"/>
+            </a:endParaRPr>
+          </a:p>
+          <a:p>
+            <a:pPr algn="ctr"/>
+            <a:endParaRPr lang="en-US" sz="4000" dirty="0">
+              <a:latin typeface="SimHei" panose="02010609060101010101" pitchFamily="49" charset="-122"/>
+              <a:ea typeface="SimHei" panose="02010609060101010101" pitchFamily="49" charset="-122"/>
+            </a:endParaRPr>
+          </a:p>
+          <a:p>
+            <a:pPr algn="ctr"/>
+            <a:r>
+              <a:rPr lang="en-US" sz="4000" dirty="0" smtClean="0">
+                <a:latin typeface="SimHei" panose="02010609060101010101" pitchFamily="49" charset="-122"/>
+                <a:ea typeface="SimHei" panose="02010609060101010101" pitchFamily="49" charset="-122"/>
+              </a:rPr>
+              <a:t>“</a:t>
+            </a:r>
+            <a:r>
+              <a:rPr lang="en-US" sz="4000" dirty="0" err="1" smtClean="0">
+                <a:latin typeface="SimHei" panose="02010609060101010101" pitchFamily="49" charset="-122"/>
+                <a:ea typeface="SimHei" panose="02010609060101010101" pitchFamily="49" charset="-122"/>
+              </a:rPr>
+              <a:t>awesome”or</a:t>
+            </a:r>
+            <a:r>
+              <a:rPr lang="en-US" sz="4000" dirty="0" smtClean="0">
+                <a:latin typeface="SimHei" panose="02010609060101010101" pitchFamily="49" charset="-122"/>
+                <a:ea typeface="SimHei" panose="02010609060101010101" pitchFamily="49" charset="-122"/>
+              </a:rPr>
+              <a:t> “not awesome”</a:t>
+            </a:r>
+            <a:endParaRPr lang="en-US" sz="4000" dirty="0">
+              <a:latin typeface="SimHei" panose="02010609060101010101" pitchFamily="49" charset="-122"/>
+              <a:ea typeface="SimHei" panose="02010609060101010101" pitchFamily="49" charset="-122"/>
+            </a:endParaRPr>
+          </a:p>
+          <a:p>
+            <a:pPr algn="ctr"/>
+            <a:endParaRPr lang="en-US" sz="4000" dirty="0" smtClean="0">
+              <a:latin typeface="SimHei" panose="02010609060101010101" pitchFamily="49" charset="-122"/>
+              <a:ea typeface="SimHei" panose="02010609060101010101" pitchFamily="49" charset="-122"/>
+            </a:endParaRPr>
+          </a:p>
+          <a:p>
+            <a:pPr algn="ctr"/>
+            <a:endParaRPr lang="en-US" sz="4000" dirty="0">
+              <a:latin typeface="SimHei" panose="02010609060101010101" pitchFamily="49" charset="-122"/>
+              <a:ea typeface="SimHei" panose="02010609060101010101" pitchFamily="49" charset="-122"/>
+            </a:endParaRPr>
+          </a:p>
+        </p:txBody>
+      </p:sp>
     </p:spTree>
     <p:extLst>
       <p:ext uri="{BB962C8B-B14F-4D97-AF65-F5344CB8AC3E}">
-        <p14:creationId xmlns:p14="http://schemas.microsoft.com/office/powerpoint/2010/main" val="3075343930"/>
+        <p14:creationId xmlns:p14="http://schemas.microsoft.com/office/powerpoint/2010/main" val="2218566326"/>
+      </p:ext>
+    </p:extLst>
+  </p:cSld>
+  <p:clrMapOvr>
+    <a:masterClrMapping/>
+  </p:clrMapOvr>
+  <p:timing>
+    <p:tnLst>
+      <p:par>
+        <p:cTn id="1" dur="indefinite" restart="never" nodeType="tmRoot"/>
+      </p:par>
+    </p:tnLst>
+  </p:timing>
+</p:sld>
+</file>
+
+<file path=ppt/slides/slide9.xml><?xml version="1.0" encoding="utf-8"?>
+<p:sld xmlns:a="http://schemas.openxmlformats.org/drawingml/2006/main" xmlns:r="http://schemas.openxmlformats.org/officeDocument/2006/relationships" xmlns:p="http://schemas.openxmlformats.org/presentationml/2006/main">
+  <p:cSld>
+    <p:spTree>
+      <p:nvGrpSpPr>
+        <p:cNvPr id="1" name=""/>
+        <p:cNvGrpSpPr/>
+        <p:nvPr/>
+      </p:nvGrpSpPr>
+      <p:grpSpPr>
+        <a:xfrm>
+          <a:off x="0" y="0"/>
+          <a:ext cx="0" cy="0"/>
+          <a:chOff x="0" y="0"/>
+          <a:chExt cx="0" cy="0"/>
+        </a:xfrm>
+      </p:grpSpPr>
+      <p:graphicFrame>
+        <p:nvGraphicFramePr>
+          <p:cNvPr id="7" name="Table 6"/>
+          <p:cNvGraphicFramePr>
+            <a:graphicFrameLocks noGrp="1"/>
+          </p:cNvGraphicFramePr>
+          <p:nvPr/>
+        </p:nvGraphicFramePr>
+        <p:xfrm>
+          <a:off x="1082040" y="731520"/>
+          <a:ext cx="1097280" cy="365760"/>
+        </p:xfrm>
+        <a:graphic>
+          <a:graphicData uri="http://schemas.openxmlformats.org/drawingml/2006/table">
+            <a:tbl>
+              <a:tblPr/>
+              <a:tblGrid>
+                <a:gridCol w="1097280"/>
+              </a:tblGrid>
+              <a:tr h="320040">
+                <a:tc>
+                  <a:txBody>
+                    <a:bodyPr/>
+                    <a:lstStyle/>
+                    <a:p>
+                      <a:endParaRPr lang="en-US" dirty="0"/>
+                    </a:p>
+                  </a:txBody>
+                  <a:tcPr>
+                    <a:lnL>
+                      <a:noFill/>
+                    </a:lnL>
+                    <a:lnR>
+                      <a:noFill/>
+                    </a:lnR>
+                    <a:lnT>
+                      <a:noFill/>
+                    </a:lnT>
+                    <a:lnB>
+                      <a:noFill/>
+                    </a:lnB>
+                  </a:tcPr>
+                </a:tc>
+              </a:tr>
+            </a:tbl>
+          </a:graphicData>
+        </a:graphic>
+      </p:graphicFrame>
+      <p:sp>
+        <p:nvSpPr>
+          <p:cNvPr id="36" name="TextBox 35"/>
+          <p:cNvSpPr txBox="1"/>
+          <p:nvPr/>
+        </p:nvSpPr>
+        <p:spPr>
+          <a:xfrm>
+            <a:off x="0" y="0"/>
+            <a:ext cx="2877711" cy="1015663"/>
+          </a:xfrm>
+          <a:prstGeom prst="rect">
+            <a:avLst/>
+          </a:prstGeom>
+          <a:noFill/>
+        </p:spPr>
+        <p:txBody>
+          <a:bodyPr wrap="none" rtlCol="0">
+            <a:spAutoFit/>
+          </a:bodyPr>
+          <a:lstStyle/>
+          <a:p>
+            <a:r>
+              <a:rPr lang="en-US" sz="6000" dirty="0">
+                <a:latin typeface="SimHei" panose="02010609060101010101" pitchFamily="49" charset="-122"/>
+                <a:ea typeface="SimHei" panose="02010609060101010101" pitchFamily="49" charset="-122"/>
+              </a:rPr>
+              <a:t>n</a:t>
+            </a:r>
+            <a:r>
+              <a:rPr lang="en-US" sz="6000" dirty="0" smtClean="0">
+                <a:latin typeface="SimHei" panose="02010609060101010101" pitchFamily="49" charset="-122"/>
+                <a:ea typeface="SimHei" panose="02010609060101010101" pitchFamily="49" charset="-122"/>
+              </a:rPr>
+              <a:t>-grams</a:t>
+            </a:r>
+            <a:endParaRPr lang="en-US" sz="6000" dirty="0">
+              <a:latin typeface="SimHei" panose="02010609060101010101" pitchFamily="49" charset="-122"/>
+              <a:ea typeface="SimHei" panose="02010609060101010101" pitchFamily="49" charset="-122"/>
+            </a:endParaRPr>
+          </a:p>
+        </p:txBody>
+      </p:sp>
+      <p:sp>
+        <p:nvSpPr>
+          <p:cNvPr id="2" name="Rectangle 1"/>
+          <p:cNvSpPr/>
+          <p:nvPr/>
+        </p:nvSpPr>
+        <p:spPr>
+          <a:xfrm>
+            <a:off x="89452" y="1197619"/>
+            <a:ext cx="12102548" cy="5509200"/>
+          </a:xfrm>
+          <a:prstGeom prst="rect">
+            <a:avLst/>
+          </a:prstGeom>
+        </p:spPr>
+        <p:txBody>
+          <a:bodyPr wrap="square">
+            <a:spAutoFit/>
+          </a:bodyPr>
+          <a:lstStyle/>
+          <a:p>
+            <a:pPr algn="ctr"/>
+            <a:r>
+              <a:rPr lang="en-US" sz="2400" dirty="0">
+                <a:latin typeface="SimHei" panose="02010609060101010101" pitchFamily="49" charset="-122"/>
+                <a:ea typeface="SimHei" panose="02010609060101010101" pitchFamily="49" charset="-122"/>
+              </a:rPr>
+              <a:t>“The quick brown </a:t>
+            </a:r>
+            <a:r>
+              <a:rPr lang="en-US" sz="2400" dirty="0" smtClean="0">
+                <a:latin typeface="SimHei" panose="02010609060101010101" pitchFamily="49" charset="-122"/>
+                <a:ea typeface="SimHei" panose="02010609060101010101" pitchFamily="49" charset="-122"/>
+              </a:rPr>
+              <a:t>fox.”</a:t>
+            </a:r>
+            <a:endParaRPr lang="en-US" sz="2400" dirty="0">
+              <a:latin typeface="SimHei" panose="02010609060101010101" pitchFamily="49" charset="-122"/>
+              <a:ea typeface="SimHei" panose="02010609060101010101" pitchFamily="49" charset="-122"/>
+            </a:endParaRPr>
+          </a:p>
+          <a:p>
+            <a:pPr algn="ctr"/>
+            <a:endParaRPr lang="en-US" sz="2400" dirty="0">
+              <a:latin typeface="SimHei" panose="02010609060101010101" pitchFamily="49" charset="-122"/>
+              <a:ea typeface="SimHei" panose="02010609060101010101" pitchFamily="49" charset="-122"/>
+            </a:endParaRPr>
+          </a:p>
+          <a:p>
+            <a:pPr algn="ctr"/>
+            <a:endParaRPr lang="en-US" sz="2400" dirty="0">
+              <a:latin typeface="SimHei" panose="02010609060101010101" pitchFamily="49" charset="-122"/>
+              <a:ea typeface="SimHei" panose="02010609060101010101" pitchFamily="49" charset="-122"/>
+            </a:endParaRPr>
+          </a:p>
+          <a:p>
+            <a:pPr algn="ctr"/>
+            <a:endParaRPr lang="en-US" sz="2400" dirty="0">
+              <a:latin typeface="SimHei" panose="02010609060101010101" pitchFamily="49" charset="-122"/>
+              <a:ea typeface="SimHei" panose="02010609060101010101" pitchFamily="49" charset="-122"/>
+            </a:endParaRPr>
+          </a:p>
+          <a:p>
+            <a:pPr algn="ctr"/>
+            <a:r>
+              <a:rPr lang="en-US" sz="2400" dirty="0">
+                <a:latin typeface="SimHei" panose="02010609060101010101" pitchFamily="49" charset="-122"/>
+                <a:ea typeface="SimHei" panose="02010609060101010101" pitchFamily="49" charset="-122"/>
+              </a:rPr>
+              <a:t>“</a:t>
+            </a:r>
+            <a:r>
+              <a:rPr lang="en-US" sz="2400" dirty="0" err="1">
+                <a:latin typeface="SimHei" panose="02010609060101010101" pitchFamily="49" charset="-122"/>
+                <a:ea typeface="SimHei" panose="02010609060101010101" pitchFamily="49" charset="-122"/>
+              </a:rPr>
+              <a:t>The”,“quick”,“brown”,“fox</a:t>
+            </a:r>
+            <a:r>
+              <a:rPr lang="en-US" sz="2400" dirty="0">
+                <a:latin typeface="SimHei" panose="02010609060101010101" pitchFamily="49" charset="-122"/>
+                <a:ea typeface="SimHei" panose="02010609060101010101" pitchFamily="49" charset="-122"/>
+              </a:rPr>
+              <a:t>”</a:t>
+            </a:r>
+          </a:p>
+          <a:p>
+            <a:pPr algn="ctr"/>
+            <a:r>
+              <a:rPr lang="en-US" sz="2400" dirty="0" smtClean="0">
+                <a:latin typeface="SimHei" panose="02010609060101010101" pitchFamily="49" charset="-122"/>
+                <a:ea typeface="SimHei" panose="02010609060101010101" pitchFamily="49" charset="-122"/>
+              </a:rPr>
+              <a:t>(standard </a:t>
+            </a:r>
+            <a:r>
+              <a:rPr lang="en-US" sz="2400" dirty="0" err="1" smtClean="0">
+                <a:latin typeface="SimHei" panose="02010609060101010101" pitchFamily="49" charset="-122"/>
+                <a:ea typeface="SimHei" panose="02010609060101010101" pitchFamily="49" charset="-122"/>
+              </a:rPr>
+              <a:t>tokenizer</a:t>
+            </a:r>
+            <a:r>
+              <a:rPr lang="en-US" sz="2400" dirty="0">
+                <a:latin typeface="SimHei" panose="02010609060101010101" pitchFamily="49" charset="-122"/>
+                <a:ea typeface="SimHei" panose="02010609060101010101" pitchFamily="49" charset="-122"/>
+              </a:rPr>
+              <a:t>)</a:t>
+            </a:r>
+          </a:p>
+          <a:p>
+            <a:pPr algn="ctr"/>
+            <a:endParaRPr lang="en-US" sz="2400" dirty="0">
+              <a:latin typeface="SimHei" panose="02010609060101010101" pitchFamily="49" charset="-122"/>
+              <a:ea typeface="SimHei" panose="02010609060101010101" pitchFamily="49" charset="-122"/>
+            </a:endParaRPr>
+          </a:p>
+          <a:p>
+            <a:pPr algn="ctr"/>
+            <a:endParaRPr lang="en-US" sz="2400" dirty="0">
+              <a:latin typeface="SimHei" panose="02010609060101010101" pitchFamily="49" charset="-122"/>
+              <a:ea typeface="SimHei" panose="02010609060101010101" pitchFamily="49" charset="-122"/>
+            </a:endParaRPr>
+          </a:p>
+          <a:p>
+            <a:pPr algn="ctr"/>
+            <a:endParaRPr lang="en-US" sz="2400" dirty="0">
+              <a:latin typeface="SimHei" panose="02010609060101010101" pitchFamily="49" charset="-122"/>
+              <a:ea typeface="SimHei" panose="02010609060101010101" pitchFamily="49" charset="-122"/>
+            </a:endParaRPr>
+          </a:p>
+          <a:p>
+            <a:pPr algn="ctr"/>
+            <a:r>
+              <a:rPr lang="en-US" sz="2400" dirty="0" smtClean="0">
+                <a:latin typeface="SimHei" panose="02010609060101010101" pitchFamily="49" charset="-122"/>
+                <a:ea typeface="SimHei" panose="02010609060101010101" pitchFamily="49" charset="-122"/>
+              </a:rPr>
+              <a:t>“quick</a:t>
+            </a:r>
+            <a:r>
+              <a:rPr lang="en-US" sz="2400" dirty="0">
+                <a:latin typeface="SimHei" panose="02010609060101010101" pitchFamily="49" charset="-122"/>
+                <a:ea typeface="SimHei" panose="02010609060101010101" pitchFamily="49" charset="-122"/>
+              </a:rPr>
+              <a:t>”, “brown”, “fox”</a:t>
+            </a:r>
+          </a:p>
+          <a:p>
+            <a:pPr algn="ctr"/>
+            <a:r>
+              <a:rPr lang="en-US" sz="2000" dirty="0">
+                <a:latin typeface="SimHei" panose="02010609060101010101" pitchFamily="49" charset="-122"/>
+                <a:ea typeface="SimHei" panose="02010609060101010101" pitchFamily="49" charset="-122"/>
+              </a:rPr>
+              <a:t>(</a:t>
+            </a:r>
+            <a:r>
+              <a:rPr lang="en-US" sz="2000" dirty="0" smtClean="0">
+                <a:latin typeface="SimHei" panose="02010609060101010101" pitchFamily="49" charset="-122"/>
+                <a:ea typeface="SimHei" panose="02010609060101010101" pitchFamily="49" charset="-122"/>
+              </a:rPr>
+              <a:t>lowercase, stop word,  </a:t>
+            </a:r>
+            <a:r>
+              <a:rPr lang="en-US" sz="2000" dirty="0" err="1" smtClean="0">
+                <a:latin typeface="SimHei" panose="02010609060101010101" pitchFamily="49" charset="-122"/>
+                <a:ea typeface="SimHei" panose="02010609060101010101" pitchFamily="49" charset="-122"/>
+              </a:rPr>
+              <a:t>ngram</a:t>
+            </a:r>
+            <a:r>
+              <a:rPr lang="en-US" sz="2000" dirty="0" smtClean="0">
+                <a:latin typeface="SimHei" panose="02010609060101010101" pitchFamily="49" charset="-122"/>
+                <a:ea typeface="SimHei" panose="02010609060101010101" pitchFamily="49" charset="-122"/>
+              </a:rPr>
+              <a:t>)</a:t>
+            </a:r>
+            <a:endParaRPr lang="en-US" sz="2000" dirty="0">
+              <a:latin typeface="SimHei" panose="02010609060101010101" pitchFamily="49" charset="-122"/>
+              <a:ea typeface="SimHei" panose="02010609060101010101" pitchFamily="49" charset="-122"/>
+            </a:endParaRPr>
+          </a:p>
+          <a:p>
+            <a:pPr algn="ctr"/>
+            <a:endParaRPr lang="en-US" sz="2400" dirty="0">
+              <a:latin typeface="SimHei" panose="02010609060101010101" pitchFamily="49" charset="-122"/>
+              <a:ea typeface="SimHei" panose="02010609060101010101" pitchFamily="49" charset="-122"/>
+            </a:endParaRPr>
+          </a:p>
+          <a:p>
+            <a:pPr algn="ctr"/>
+            <a:endParaRPr lang="en-US" sz="2400" dirty="0">
+              <a:latin typeface="SimHei" panose="02010609060101010101" pitchFamily="49" charset="-122"/>
+              <a:ea typeface="SimHei" panose="02010609060101010101" pitchFamily="49" charset="-122"/>
+            </a:endParaRPr>
+          </a:p>
+          <a:p>
+            <a:pPr algn="ctr"/>
+            <a:r>
+              <a:rPr lang="en-US" sz="2400" dirty="0" err="1" smtClean="0">
+                <a:latin typeface="SimHei" panose="02010609060101010101" pitchFamily="49" charset="-122"/>
+                <a:ea typeface="SimHei" panose="02010609060101010101" pitchFamily="49" charset="-122"/>
+              </a:rPr>
+              <a:t>q,u</a:t>
+            </a:r>
+            <a:r>
+              <a:rPr lang="en-US" sz="2400" dirty="0" smtClean="0">
+                <a:latin typeface="SimHei" panose="02010609060101010101" pitchFamily="49" charset="-122"/>
+                <a:ea typeface="SimHei" panose="02010609060101010101" pitchFamily="49" charset="-122"/>
+              </a:rPr>
+              <a:t>, </a:t>
+            </a:r>
+            <a:r>
+              <a:rPr lang="en-US" sz="2400" dirty="0" err="1" smtClean="0">
+                <a:latin typeface="SimHei" panose="02010609060101010101" pitchFamily="49" charset="-122"/>
+                <a:ea typeface="SimHei" panose="02010609060101010101" pitchFamily="49" charset="-122"/>
+              </a:rPr>
+              <a:t>i</a:t>
+            </a:r>
+            <a:r>
+              <a:rPr lang="en-US" sz="2400" dirty="0" smtClean="0">
+                <a:latin typeface="SimHei" panose="02010609060101010101" pitchFamily="49" charset="-122"/>
+                <a:ea typeface="SimHei" panose="02010609060101010101" pitchFamily="49" charset="-122"/>
+              </a:rPr>
+              <a:t>, c, k, </a:t>
+            </a:r>
+            <a:r>
+              <a:rPr lang="en-US" sz="2400" dirty="0" err="1" smtClean="0">
+                <a:latin typeface="SimHei" panose="02010609060101010101" pitchFamily="49" charset="-122"/>
+                <a:ea typeface="SimHei" panose="02010609060101010101" pitchFamily="49" charset="-122"/>
+              </a:rPr>
+              <a:t>qu</a:t>
+            </a:r>
+            <a:r>
+              <a:rPr lang="en-US" sz="2400" dirty="0" smtClean="0">
+                <a:latin typeface="SimHei" panose="02010609060101010101" pitchFamily="49" charset="-122"/>
+                <a:ea typeface="SimHei" panose="02010609060101010101" pitchFamily="49" charset="-122"/>
+              </a:rPr>
+              <a:t>, </a:t>
+            </a:r>
+            <a:r>
+              <a:rPr lang="en-US" sz="2400" dirty="0" err="1" smtClean="0">
+                <a:latin typeface="SimHei" panose="02010609060101010101" pitchFamily="49" charset="-122"/>
+                <a:ea typeface="SimHei" panose="02010609060101010101" pitchFamily="49" charset="-122"/>
+              </a:rPr>
+              <a:t>ui</a:t>
+            </a:r>
+            <a:r>
+              <a:rPr lang="en-US" sz="2400" dirty="0" smtClean="0">
+                <a:latin typeface="SimHei" panose="02010609060101010101" pitchFamily="49" charset="-122"/>
+                <a:ea typeface="SimHei" panose="02010609060101010101" pitchFamily="49" charset="-122"/>
+              </a:rPr>
+              <a:t>, </a:t>
+            </a:r>
+            <a:r>
+              <a:rPr lang="en-US" sz="2400" dirty="0" err="1" smtClean="0">
+                <a:latin typeface="SimHei" panose="02010609060101010101" pitchFamily="49" charset="-122"/>
+                <a:ea typeface="SimHei" panose="02010609060101010101" pitchFamily="49" charset="-122"/>
+              </a:rPr>
+              <a:t>ic</a:t>
+            </a:r>
+            <a:r>
+              <a:rPr lang="en-US" sz="2400" dirty="0" smtClean="0">
+                <a:latin typeface="SimHei" panose="02010609060101010101" pitchFamily="49" charset="-122"/>
+                <a:ea typeface="SimHei" panose="02010609060101010101" pitchFamily="49" charset="-122"/>
+              </a:rPr>
+              <a:t>, </a:t>
+            </a:r>
+            <a:r>
+              <a:rPr lang="en-US" sz="2400" dirty="0" err="1" smtClean="0">
+                <a:latin typeface="SimHei" panose="02010609060101010101" pitchFamily="49" charset="-122"/>
+                <a:ea typeface="SimHei" panose="02010609060101010101" pitchFamily="49" charset="-122"/>
+              </a:rPr>
+              <a:t>ck</a:t>
+            </a:r>
+            <a:r>
+              <a:rPr lang="en-US" sz="2400" dirty="0" smtClean="0">
+                <a:latin typeface="SimHei" panose="02010609060101010101" pitchFamily="49" charset="-122"/>
+                <a:ea typeface="SimHei" panose="02010609060101010101" pitchFamily="49" charset="-122"/>
+              </a:rPr>
+              <a:t>, qui, </a:t>
+            </a:r>
+            <a:r>
+              <a:rPr lang="en-US" sz="2400" dirty="0" err="1" smtClean="0">
+                <a:latin typeface="SimHei" panose="02010609060101010101" pitchFamily="49" charset="-122"/>
+                <a:ea typeface="SimHei" panose="02010609060101010101" pitchFamily="49" charset="-122"/>
+              </a:rPr>
+              <a:t>uic</a:t>
+            </a:r>
+            <a:r>
+              <a:rPr lang="en-US" sz="2400" dirty="0" smtClean="0">
+                <a:latin typeface="SimHei" panose="02010609060101010101" pitchFamily="49" charset="-122"/>
+                <a:ea typeface="SimHei" panose="02010609060101010101" pitchFamily="49" charset="-122"/>
+              </a:rPr>
+              <a:t>, ick, </a:t>
+            </a:r>
+            <a:r>
+              <a:rPr lang="en-US" sz="2400" dirty="0" err="1" smtClean="0">
+                <a:latin typeface="SimHei" panose="02010609060101010101" pitchFamily="49" charset="-122"/>
+                <a:ea typeface="SimHei" panose="02010609060101010101" pitchFamily="49" charset="-122"/>
+              </a:rPr>
+              <a:t>quic</a:t>
+            </a:r>
+            <a:r>
+              <a:rPr lang="en-US" sz="2400" dirty="0" smtClean="0">
+                <a:latin typeface="SimHei" panose="02010609060101010101" pitchFamily="49" charset="-122"/>
+                <a:ea typeface="SimHei" panose="02010609060101010101" pitchFamily="49" charset="-122"/>
+              </a:rPr>
+              <a:t>, quick, ...</a:t>
+            </a:r>
+            <a:endParaRPr lang="en-US" sz="2400" dirty="0">
+              <a:latin typeface="SimHei" panose="02010609060101010101" pitchFamily="49" charset="-122"/>
+              <a:ea typeface="SimHei" panose="02010609060101010101" pitchFamily="49" charset="-122"/>
+            </a:endParaRPr>
+          </a:p>
+          <a:p>
+            <a:pPr algn="ctr"/>
+            <a:r>
+              <a:rPr lang="en-US" sz="2000" dirty="0">
+                <a:latin typeface="SimHei" panose="02010609060101010101" pitchFamily="49" charset="-122"/>
+                <a:ea typeface="SimHei" panose="02010609060101010101" pitchFamily="49" charset="-122"/>
+              </a:rPr>
+              <a:t>(distinct terms)</a:t>
+            </a:r>
+            <a:endParaRPr lang="en-US" sz="2000" dirty="0">
+              <a:latin typeface="SimHei" panose="02010609060101010101" pitchFamily="49" charset="-122"/>
+              <a:ea typeface="SimHei" panose="02010609060101010101" pitchFamily="49" charset="-122"/>
+            </a:endParaRPr>
+          </a:p>
+        </p:txBody>
+      </p:sp>
+    </p:spTree>
+    <p:extLst>
+      <p:ext uri="{BB962C8B-B14F-4D97-AF65-F5344CB8AC3E}">
+        <p14:creationId xmlns:p14="http://schemas.microsoft.com/office/powerpoint/2010/main" val="2353287052"/>
       </p:ext>
     </p:extLst>
   </p:cSld>
